--- a/sqlWorks/자료/db_ppt/2장. 제약조건, 관계.pptx
+++ b/sqlWorks/자료/db_ppt/2장. 제약조건, 관계.pptx
@@ -5,7 +5,7 @@
     <p:sldMasterId id="2147483648" r:id="rId1"/>
   </p:sldMasterIdLst>
   <p:notesMasterIdLst>
-    <p:notesMasterId r:id="rId23"/>
+    <p:notesMasterId r:id="rId25"/>
   </p:notesMasterIdLst>
   <p:sldIdLst>
     <p:sldId id="256" r:id="rId2"/>
@@ -29,6 +29,8 @@
     <p:sldId id="279" r:id="rId20"/>
     <p:sldId id="280" r:id="rId21"/>
     <p:sldId id="281" r:id="rId22"/>
+    <p:sldId id="283" r:id="rId23"/>
+    <p:sldId id="284" r:id="rId24"/>
   </p:sldIdLst>
   <p:sldSz cx="9144000" cy="6858000" type="screen4x3"/>
   <p:notesSz cx="6858000" cy="9144000"/>
@@ -228,7 +230,7 @@
           <a:p>
             <a:fld id="{7665CDAC-D627-4E87-877A-1B781DD4CADC}" type="datetimeFigureOut">
               <a:rPr lang="ko-KR" altLang="en-US" smtClean="0"/>
-              <a:t>2023-04-13</a:t>
+              <a:t>2023-04-30</a:t>
             </a:fld>
             <a:endParaRPr lang="ko-KR" altLang="en-US"/>
           </a:p>
@@ -1118,7 +1120,7 @@
           <a:p>
             <a:fld id="{E240FE80-3752-4C44-80B8-E31C3450070D}" type="datetime1">
               <a:rPr lang="ko-KR" altLang="en-US" smtClean="0"/>
-              <a:t>2023-04-13</a:t>
+              <a:t>2023-04-30</a:t>
             </a:fld>
             <a:endParaRPr lang="ko-KR" altLang="en-US"/>
           </a:p>
@@ -1296,7 +1298,7 @@
           <a:p>
             <a:fld id="{5FA88D13-428F-4553-BC93-2E91B1DA3F5C}" type="datetime1">
               <a:rPr lang="ko-KR" altLang="en-US" smtClean="0"/>
-              <a:t>2023-04-13</a:t>
+              <a:t>2023-04-30</a:t>
             </a:fld>
             <a:endParaRPr lang="ko-KR" altLang="en-US"/>
           </a:p>
@@ -1468,7 +1470,7 @@
           <a:p>
             <a:fld id="{4E9D4779-FB94-4D0A-9770-16BB460ADD4B}" type="datetime1">
               <a:rPr lang="ko-KR" altLang="en-US" smtClean="0"/>
-              <a:t>2023-04-13</a:t>
+              <a:t>2023-04-30</a:t>
             </a:fld>
             <a:endParaRPr lang="ko-KR" altLang="en-US"/>
           </a:p>
@@ -1713,7 +1715,7 @@
           <a:p>
             <a:fld id="{DD687F0D-089E-4098-8EE9-5721C76E52EC}" type="datetime1">
               <a:rPr lang="ko-KR" altLang="en-US" smtClean="0"/>
-              <a:t>2023-04-13</a:t>
+              <a:t>2023-04-30</a:t>
             </a:fld>
             <a:endParaRPr lang="ko-KR" altLang="en-US"/>
           </a:p>
@@ -1998,7 +2000,7 @@
           <a:p>
             <a:fld id="{09C650FE-E6B2-4D57-AAF6-1B2A37421AAD}" type="datetime1">
               <a:rPr lang="ko-KR" altLang="en-US" smtClean="0"/>
-              <a:t>2023-04-13</a:t>
+              <a:t>2023-04-30</a:t>
             </a:fld>
             <a:endParaRPr lang="ko-KR" altLang="en-US"/>
           </a:p>
@@ -2417,7 +2419,7 @@
           <a:p>
             <a:fld id="{E87F20C2-C949-4E4F-9580-FEE4F2DAC554}" type="datetime1">
               <a:rPr lang="ko-KR" altLang="en-US" smtClean="0"/>
-              <a:t>2023-04-13</a:t>
+              <a:t>2023-04-30</a:t>
             </a:fld>
             <a:endParaRPr lang="ko-KR" altLang="en-US"/>
           </a:p>
@@ -2534,7 +2536,7 @@
           <a:p>
             <a:fld id="{476DBFE0-70CA-4AA9-9C17-F02054822E7E}" type="datetime1">
               <a:rPr lang="ko-KR" altLang="en-US" smtClean="0"/>
-              <a:t>2023-04-13</a:t>
+              <a:t>2023-04-30</a:t>
             </a:fld>
             <a:endParaRPr lang="ko-KR" altLang="en-US"/>
           </a:p>
@@ -2629,7 +2631,7 @@
           <a:p>
             <a:fld id="{6DA84A72-C6AC-45C3-AE5A-9CF6D245353A}" type="datetime1">
               <a:rPr lang="ko-KR" altLang="en-US" smtClean="0"/>
-              <a:t>2023-04-13</a:t>
+              <a:t>2023-04-30</a:t>
             </a:fld>
             <a:endParaRPr lang="ko-KR" altLang="en-US"/>
           </a:p>
@@ -2904,7 +2906,7 @@
           <a:p>
             <a:fld id="{092D9E8D-7616-4FA8-9B12-88059974D499}" type="datetime1">
               <a:rPr lang="ko-KR" altLang="en-US" smtClean="0"/>
-              <a:t>2023-04-13</a:t>
+              <a:t>2023-04-30</a:t>
             </a:fld>
             <a:endParaRPr lang="ko-KR" altLang="en-US"/>
           </a:p>
@@ -3156,7 +3158,7 @@
           <a:p>
             <a:fld id="{79F4C3F6-B4DC-4E51-8609-BCC628ECDBF3}" type="datetime1">
               <a:rPr lang="ko-KR" altLang="en-US" smtClean="0"/>
-              <a:t>2023-04-13</a:t>
+              <a:t>2023-04-30</a:t>
             </a:fld>
             <a:endParaRPr lang="ko-KR" altLang="en-US"/>
           </a:p>
@@ -3335,7 +3337,7 @@
           <a:p>
             <a:fld id="{B2C4C586-F21B-48DD-B591-4B12E73E0749}" type="datetime1">
               <a:rPr lang="ko-KR" altLang="en-US" smtClean="0"/>
-              <a:t>2023-04-13</a:t>
+              <a:t>2023-04-30</a:t>
             </a:fld>
             <a:endParaRPr lang="ko-KR" altLang="en-US"/>
           </a:p>
@@ -13147,6 +13149,445 @@
     <p:extLst>
       <p:ext uri="{BB962C8B-B14F-4D97-AF65-F5344CB8AC3E}">
         <p14:creationId xmlns:p14="http://schemas.microsoft.com/office/powerpoint/2010/main" val="1307736570"/>
+      </p:ext>
+    </p:extLst>
+  </p:cSld>
+  <p:clrMapOvr>
+    <a:masterClrMapping/>
+  </p:clrMapOvr>
+</p:sld>
+</file>
+
+<file path=ppt/slides/slide22.xml><?xml version="1.0" encoding="utf-8"?>
+<p:sld xmlns:a="http://schemas.openxmlformats.org/drawingml/2006/main" xmlns:r="http://schemas.openxmlformats.org/officeDocument/2006/relationships" xmlns:p="http://schemas.openxmlformats.org/presentationml/2006/main">
+  <p:cSld>
+    <p:spTree>
+      <p:nvGrpSpPr>
+        <p:cNvPr id="1" name=""/>
+        <p:cNvGrpSpPr/>
+        <p:nvPr/>
+      </p:nvGrpSpPr>
+      <p:grpSpPr>
+        <a:xfrm>
+          <a:off x="0" y="0"/>
+          <a:ext cx="0" cy="0"/>
+          <a:chOff x="0" y="0"/>
+          <a:chExt cx="0" cy="0"/>
+        </a:xfrm>
+      </p:grpSpPr>
+      <p:sp>
+        <p:nvSpPr>
+          <p:cNvPr id="2" name="제목 1"/>
+          <p:cNvSpPr>
+            <a:spLocks noGrp="1"/>
+          </p:cNvSpPr>
+          <p:nvPr>
+            <p:ph type="title"/>
+          </p:nvPr>
+        </p:nvSpPr>
+        <p:spPr>
+          <a:xfrm>
+            <a:off x="0" y="-18256"/>
+            <a:ext cx="6804247" cy="854968"/>
+          </a:xfrm>
+        </p:spPr>
+        <p:txBody>
+          <a:bodyPr>
+            <a:normAutofit fontScale="90000"/>
+          </a:bodyPr>
+          <a:lstStyle/>
+          <a:p>
+            <a:r>
+              <a:rPr lang="en-US" altLang="ko-KR" dirty="0"/>
+              <a:t>  </a:t>
+            </a:r>
+            <a:r>
+              <a:rPr lang="en-US" altLang="ko-KR" dirty="0" smtClean="0"/>
+              <a:t>TCL(</a:t>
+            </a:r>
+            <a:r>
+              <a:rPr lang="en-US" altLang="ko-KR" dirty="0" err="1" smtClean="0"/>
+              <a:t>Transacton</a:t>
+            </a:r>
+            <a:r>
+              <a:rPr lang="en-US" altLang="ko-KR" dirty="0" smtClean="0"/>
+              <a:t> Control Language)</a:t>
+            </a:r>
+            <a:endParaRPr lang="ko-KR" altLang="en-US" dirty="0"/>
+          </a:p>
+        </p:txBody>
+      </p:sp>
+      <p:sp>
+        <p:nvSpPr>
+          <p:cNvPr id="4" name="슬라이드 번호 개체 틀 3"/>
+          <p:cNvSpPr>
+            <a:spLocks noGrp="1"/>
+          </p:cNvSpPr>
+          <p:nvPr>
+            <p:ph type="sldNum" sz="quarter" idx="12"/>
+          </p:nvPr>
+        </p:nvSpPr>
+        <p:spPr/>
+        <p:txBody>
+          <a:bodyPr/>
+          <a:lstStyle/>
+          <a:p>
+            <a:fld id="{1BDE3FE7-3AEA-4B05-AC5A-802D1816ACF0}" type="slidenum">
+              <a:rPr lang="ko-KR" altLang="en-US" smtClean="0"/>
+              <a:t>22</a:t>
+            </a:fld>
+            <a:endParaRPr lang="ko-KR" altLang="en-US"/>
+          </a:p>
+        </p:txBody>
+      </p:sp>
+      <p:sp>
+        <p:nvSpPr>
+          <p:cNvPr id="11" name="TextBox 10"/>
+          <p:cNvSpPr txBox="1"/>
+          <p:nvPr/>
+        </p:nvSpPr>
+        <p:spPr>
+          <a:xfrm>
+            <a:off x="971600" y="1196752"/>
+            <a:ext cx="6984776" cy="3616375"/>
+          </a:xfrm>
+          <a:prstGeom prst="rect">
+            <a:avLst/>
+          </a:prstGeom>
+          <a:noFill/>
+        </p:spPr>
+        <p:txBody>
+          <a:bodyPr wrap="square" rtlCol="0">
+            <a:spAutoFit/>
+          </a:bodyPr>
+          <a:lstStyle/>
+          <a:p>
+            <a:r>
+              <a:rPr lang="ko-KR" altLang="en-US" sz="2000" b="1" dirty="0" smtClean="0"/>
+              <a:t>트랜잭션</a:t>
+            </a:r>
+            <a:endParaRPr lang="en-US" altLang="ko-KR" sz="2000" b="1" dirty="0" smtClean="0"/>
+          </a:p>
+          <a:p>
+            <a:endParaRPr lang="en-US" altLang="ko-KR" sz="2000" b="1" dirty="0" smtClean="0"/>
+          </a:p>
+          <a:p>
+            <a:pPr marL="342900" indent="-342900">
+              <a:lnSpc>
+                <a:spcPct val="150000"/>
+              </a:lnSpc>
+              <a:buFont typeface="Wingdings" panose="05000000000000000000" pitchFamily="2" charset="2"/>
+              <a:buChar char="§"/>
+            </a:pPr>
+            <a:r>
+              <a:rPr lang="en-US" altLang="ko-KR" dirty="0" smtClean="0">
+                <a:solidFill>
+                  <a:srgbClr val="C00000"/>
+                </a:solidFill>
+              </a:rPr>
+              <a:t>COMMIT(</a:t>
+            </a:r>
+            <a:r>
+              <a:rPr lang="ko-KR" altLang="en-US" dirty="0" err="1" smtClean="0">
+                <a:solidFill>
+                  <a:srgbClr val="C00000"/>
+                </a:solidFill>
+              </a:rPr>
+              <a:t>커밋완료</a:t>
+            </a:r>
+            <a:r>
+              <a:rPr lang="en-US" altLang="ko-KR" dirty="0" smtClean="0">
+                <a:solidFill>
+                  <a:srgbClr val="C00000"/>
+                </a:solidFill>
+              </a:rPr>
+              <a:t>)</a:t>
+            </a:r>
+            <a:r>
+              <a:rPr lang="en-US" altLang="ko-KR" dirty="0" smtClean="0"/>
+              <a:t>- INSERT, UPDATE, DELETE</a:t>
+            </a:r>
+            <a:r>
+              <a:rPr lang="ko-KR" altLang="en-US" dirty="0" smtClean="0"/>
+              <a:t>문으로 변경한 데이터를 데이터베이스에 반영함</a:t>
+            </a:r>
+            <a:endParaRPr lang="en-US" altLang="ko-KR" dirty="0" smtClean="0"/>
+          </a:p>
+          <a:p>
+            <a:pPr marL="342900" indent="-342900">
+              <a:lnSpc>
+                <a:spcPct val="150000"/>
+              </a:lnSpc>
+              <a:buFont typeface="Wingdings" panose="05000000000000000000" pitchFamily="2" charset="2"/>
+              <a:buChar char="§"/>
+            </a:pPr>
+            <a:r>
+              <a:rPr lang="en-US" altLang="ko-KR" dirty="0" smtClean="0">
+                <a:solidFill>
+                  <a:srgbClr val="C00000"/>
+                </a:solidFill>
+              </a:rPr>
+              <a:t>ROLLBACK(</a:t>
+            </a:r>
+            <a:r>
+              <a:rPr lang="ko-KR" altLang="en-US" dirty="0" err="1" smtClean="0">
+                <a:solidFill>
+                  <a:srgbClr val="C00000"/>
+                </a:solidFill>
+              </a:rPr>
+              <a:t>롤백완료</a:t>
+            </a:r>
+            <a:r>
+              <a:rPr lang="en-US" altLang="ko-KR" dirty="0" smtClean="0">
+                <a:solidFill>
+                  <a:srgbClr val="C00000"/>
+                </a:solidFill>
+              </a:rPr>
+              <a:t>)</a:t>
+            </a:r>
+            <a:r>
+              <a:rPr lang="en-US" altLang="ko-KR" dirty="0" smtClean="0"/>
+              <a:t> – </a:t>
+            </a:r>
+            <a:r>
+              <a:rPr lang="ko-KR" altLang="en-US" dirty="0" smtClean="0"/>
+              <a:t>데이터에 대한 변경 사용을 모두 취소하고 트랜잭션을 종료함</a:t>
+            </a:r>
+            <a:endParaRPr lang="en-US" altLang="ko-KR" dirty="0" smtClean="0"/>
+          </a:p>
+          <a:p>
+            <a:pPr marL="342900" indent="-342900">
+              <a:lnSpc>
+                <a:spcPct val="150000"/>
+              </a:lnSpc>
+              <a:buFont typeface="Wingdings" panose="05000000000000000000" pitchFamily="2" charset="2"/>
+              <a:buChar char="§"/>
+            </a:pPr>
+            <a:r>
+              <a:rPr lang="en-US" altLang="ko-KR" dirty="0" smtClean="0">
+                <a:solidFill>
+                  <a:srgbClr val="C00000"/>
+                </a:solidFill>
+              </a:rPr>
+              <a:t>SAVEPOINT(</a:t>
+            </a:r>
+            <a:r>
+              <a:rPr lang="ko-KR" altLang="en-US" dirty="0" err="1" smtClean="0">
+                <a:solidFill>
+                  <a:srgbClr val="C00000"/>
+                </a:solidFill>
+              </a:rPr>
+              <a:t>저장점</a:t>
+            </a:r>
+            <a:r>
+              <a:rPr lang="en-US" altLang="ko-KR" dirty="0" smtClean="0">
+                <a:solidFill>
+                  <a:srgbClr val="C00000"/>
+                </a:solidFill>
+              </a:rPr>
+              <a:t>)</a:t>
+            </a:r>
+            <a:r>
+              <a:rPr lang="en-US" altLang="ko-KR" dirty="0" smtClean="0"/>
+              <a:t> – </a:t>
+            </a:r>
+            <a:r>
+              <a:rPr lang="ko-KR" altLang="en-US" dirty="0" smtClean="0"/>
+              <a:t>트랜잭션을 작게 분할하여 관리하는 것으로 </a:t>
+            </a:r>
+            <a:r>
+              <a:rPr lang="en-US" altLang="ko-KR" dirty="0" smtClean="0"/>
+              <a:t>SAVEPOINT</a:t>
+            </a:r>
+            <a:r>
+              <a:rPr lang="ko-KR" altLang="en-US" dirty="0" smtClean="0"/>
+              <a:t>를 사용하면 저장된 위치 이후의 트랜잭션만 </a:t>
+            </a:r>
+            <a:r>
+              <a:rPr lang="en-US" altLang="ko-KR" dirty="0" smtClean="0"/>
+              <a:t>ROLLBACK </a:t>
+            </a:r>
+            <a:r>
+              <a:rPr lang="ko-KR" altLang="en-US" dirty="0" smtClean="0"/>
+              <a:t>할 수 있음</a:t>
+            </a:r>
+            <a:endParaRPr lang="en-US" altLang="ko-KR" sz="1600" dirty="0"/>
+          </a:p>
+        </p:txBody>
+      </p:sp>
+    </p:spTree>
+    <p:extLst>
+      <p:ext uri="{BB962C8B-B14F-4D97-AF65-F5344CB8AC3E}">
+        <p14:creationId xmlns:p14="http://schemas.microsoft.com/office/powerpoint/2010/main" val="2239459893"/>
+      </p:ext>
+    </p:extLst>
+  </p:cSld>
+  <p:clrMapOvr>
+    <a:masterClrMapping/>
+  </p:clrMapOvr>
+</p:sld>
+</file>
+
+<file path=ppt/slides/slide23.xml><?xml version="1.0" encoding="utf-8"?>
+<p:sld xmlns:a="http://schemas.openxmlformats.org/drawingml/2006/main" xmlns:r="http://schemas.openxmlformats.org/officeDocument/2006/relationships" xmlns:p="http://schemas.openxmlformats.org/presentationml/2006/main">
+  <p:cSld>
+    <p:spTree>
+      <p:nvGrpSpPr>
+        <p:cNvPr id="1" name=""/>
+        <p:cNvGrpSpPr/>
+        <p:nvPr/>
+      </p:nvGrpSpPr>
+      <p:grpSpPr>
+        <a:xfrm>
+          <a:off x="0" y="0"/>
+          <a:ext cx="0" cy="0"/>
+          <a:chOff x="0" y="0"/>
+          <a:chExt cx="0" cy="0"/>
+        </a:xfrm>
+      </p:grpSpPr>
+      <p:sp>
+        <p:nvSpPr>
+          <p:cNvPr id="2" name="제목 1"/>
+          <p:cNvSpPr>
+            <a:spLocks noGrp="1"/>
+          </p:cNvSpPr>
+          <p:nvPr>
+            <p:ph type="title"/>
+          </p:nvPr>
+        </p:nvSpPr>
+        <p:spPr>
+          <a:xfrm>
+            <a:off x="0" y="-18256"/>
+            <a:ext cx="6804247" cy="854968"/>
+          </a:xfrm>
+        </p:spPr>
+        <p:txBody>
+          <a:bodyPr>
+            <a:normAutofit fontScale="90000"/>
+          </a:bodyPr>
+          <a:lstStyle/>
+          <a:p>
+            <a:r>
+              <a:rPr lang="en-US" altLang="ko-KR" dirty="0"/>
+              <a:t>  </a:t>
+            </a:r>
+            <a:r>
+              <a:rPr lang="en-US" altLang="ko-KR" dirty="0" smtClean="0"/>
+              <a:t>TCL(</a:t>
+            </a:r>
+            <a:r>
+              <a:rPr lang="en-US" altLang="ko-KR" dirty="0" err="1" smtClean="0"/>
+              <a:t>Transacton</a:t>
+            </a:r>
+            <a:r>
+              <a:rPr lang="en-US" altLang="ko-KR" dirty="0" smtClean="0"/>
+              <a:t> Control Language)</a:t>
+            </a:r>
+            <a:endParaRPr lang="ko-KR" altLang="en-US" dirty="0"/>
+          </a:p>
+        </p:txBody>
+      </p:sp>
+      <p:sp>
+        <p:nvSpPr>
+          <p:cNvPr id="4" name="슬라이드 번호 개체 틀 3"/>
+          <p:cNvSpPr>
+            <a:spLocks noGrp="1"/>
+          </p:cNvSpPr>
+          <p:nvPr>
+            <p:ph type="sldNum" sz="quarter" idx="12"/>
+          </p:nvPr>
+        </p:nvSpPr>
+        <p:spPr/>
+        <p:txBody>
+          <a:bodyPr/>
+          <a:lstStyle/>
+          <a:p>
+            <a:fld id="{1BDE3FE7-3AEA-4B05-AC5A-802D1816ACF0}" type="slidenum">
+              <a:rPr lang="ko-KR" altLang="en-US" smtClean="0"/>
+              <a:t>23</a:t>
+            </a:fld>
+            <a:endParaRPr lang="ko-KR" altLang="en-US"/>
+          </a:p>
+        </p:txBody>
+      </p:sp>
+      <p:pic>
+        <p:nvPicPr>
+          <p:cNvPr id="3" name="그림 2"/>
+          <p:cNvPicPr>
+            <a:picLocks noChangeAspect="1"/>
+          </p:cNvPicPr>
+          <p:nvPr/>
+        </p:nvPicPr>
+        <p:blipFill>
+          <a:blip r:embed="rId2">
+            <a:extLst>
+              <a:ext uri="{28A0092B-C50C-407E-A947-70E740481C1C}">
+                <a14:useLocalDpi xmlns:a14="http://schemas.microsoft.com/office/drawing/2010/main" val="0"/>
+              </a:ext>
+            </a:extLst>
+          </a:blip>
+          <a:stretch>
+            <a:fillRect/>
+          </a:stretch>
+        </p:blipFill>
+        <p:spPr>
+          <a:xfrm>
+            <a:off x="1403648" y="1628800"/>
+            <a:ext cx="4248472" cy="3359439"/>
+          </a:xfrm>
+          <a:prstGeom prst="rect">
+            <a:avLst/>
+          </a:prstGeom>
+          <a:ln>
+            <a:solidFill>
+              <a:schemeClr val="bg1">
+                <a:lumMod val="85000"/>
+              </a:schemeClr>
+            </a:solidFill>
+          </a:ln>
+        </p:spPr>
+      </p:pic>
+      <p:pic>
+        <p:nvPicPr>
+          <p:cNvPr id="5" name="그림 4"/>
+          <p:cNvPicPr>
+            <a:picLocks noChangeAspect="1"/>
+          </p:cNvPicPr>
+          <p:nvPr/>
+        </p:nvPicPr>
+        <p:blipFill>
+          <a:blip r:embed="rId3">
+            <a:extLst>
+              <a:ext uri="{28A0092B-C50C-407E-A947-70E740481C1C}">
+                <a14:useLocalDpi xmlns:a14="http://schemas.microsoft.com/office/drawing/2010/main" val="0"/>
+              </a:ext>
+            </a:extLst>
+          </a:blip>
+          <a:stretch>
+            <a:fillRect/>
+          </a:stretch>
+        </p:blipFill>
+        <p:spPr>
+          <a:xfrm>
+            <a:off x="6080284" y="4149080"/>
+            <a:ext cx="1746577" cy="432048"/>
+          </a:xfrm>
+          <a:prstGeom prst="rect">
+            <a:avLst/>
+          </a:prstGeom>
+          <a:ln>
+            <a:solidFill>
+              <a:schemeClr val="bg1">
+                <a:lumMod val="85000"/>
+              </a:schemeClr>
+            </a:solidFill>
+          </a:ln>
+        </p:spPr>
+      </p:pic>
+    </p:spTree>
+    <p:extLst>
+      <p:ext uri="{BB962C8B-B14F-4D97-AF65-F5344CB8AC3E}">
+        <p14:creationId xmlns:p14="http://schemas.microsoft.com/office/powerpoint/2010/main" val="58254225"/>
       </p:ext>
     </p:extLst>
   </p:cSld>

--- a/sqlWorks/자료/db_ppt/2장. 제약조건, 관계.pptx
+++ b/sqlWorks/자료/db_ppt/2장. 제약조건, 관계.pptx
@@ -5,7 +5,7 @@
     <p:sldMasterId id="2147483648" r:id="rId1"/>
   </p:sldMasterIdLst>
   <p:notesMasterIdLst>
-    <p:notesMasterId r:id="rId25"/>
+    <p:notesMasterId r:id="rId27"/>
   </p:notesMasterIdLst>
   <p:sldIdLst>
     <p:sldId id="256" r:id="rId2"/>
@@ -25,12 +25,14 @@
     <p:sldId id="275" r:id="rId16"/>
     <p:sldId id="282" r:id="rId17"/>
     <p:sldId id="277" r:id="rId18"/>
-    <p:sldId id="278" r:id="rId19"/>
-    <p:sldId id="279" r:id="rId20"/>
-    <p:sldId id="280" r:id="rId21"/>
-    <p:sldId id="281" r:id="rId22"/>
-    <p:sldId id="283" r:id="rId23"/>
-    <p:sldId id="284" r:id="rId24"/>
+    <p:sldId id="286" r:id="rId19"/>
+    <p:sldId id="285" r:id="rId20"/>
+    <p:sldId id="278" r:id="rId21"/>
+    <p:sldId id="279" r:id="rId22"/>
+    <p:sldId id="280" r:id="rId23"/>
+    <p:sldId id="281" r:id="rId24"/>
+    <p:sldId id="283" r:id="rId25"/>
+    <p:sldId id="284" r:id="rId26"/>
   </p:sldIdLst>
   <p:sldSz cx="9144000" cy="6858000" type="screen4x3"/>
   <p:notesSz cx="6858000" cy="9144000"/>
@@ -230,7 +232,7 @@
           <a:p>
             <a:fld id="{7665CDAC-D627-4E87-877A-1B781DD4CADC}" type="datetimeFigureOut">
               <a:rPr lang="ko-KR" altLang="en-US" smtClean="0"/>
-              <a:t>2023-04-30</a:t>
+              <a:t>2023-05-06</a:t>
             </a:fld>
             <a:endParaRPr lang="ko-KR" altLang="en-US"/>
           </a:p>
@@ -1120,7 +1122,7 @@
           <a:p>
             <a:fld id="{E240FE80-3752-4C44-80B8-E31C3450070D}" type="datetime1">
               <a:rPr lang="ko-KR" altLang="en-US" smtClean="0"/>
-              <a:t>2023-04-30</a:t>
+              <a:t>2023-05-06</a:t>
             </a:fld>
             <a:endParaRPr lang="ko-KR" altLang="en-US"/>
           </a:p>
@@ -1298,7 +1300,7 @@
           <a:p>
             <a:fld id="{5FA88D13-428F-4553-BC93-2E91B1DA3F5C}" type="datetime1">
               <a:rPr lang="ko-KR" altLang="en-US" smtClean="0"/>
-              <a:t>2023-04-30</a:t>
+              <a:t>2023-05-06</a:t>
             </a:fld>
             <a:endParaRPr lang="ko-KR" altLang="en-US"/>
           </a:p>
@@ -1470,7 +1472,7 @@
           <a:p>
             <a:fld id="{4E9D4779-FB94-4D0A-9770-16BB460ADD4B}" type="datetime1">
               <a:rPr lang="ko-KR" altLang="en-US" smtClean="0"/>
-              <a:t>2023-04-30</a:t>
+              <a:t>2023-05-06</a:t>
             </a:fld>
             <a:endParaRPr lang="ko-KR" altLang="en-US"/>
           </a:p>
@@ -1715,7 +1717,7 @@
           <a:p>
             <a:fld id="{DD687F0D-089E-4098-8EE9-5721C76E52EC}" type="datetime1">
               <a:rPr lang="ko-KR" altLang="en-US" smtClean="0"/>
-              <a:t>2023-04-30</a:t>
+              <a:t>2023-05-06</a:t>
             </a:fld>
             <a:endParaRPr lang="ko-KR" altLang="en-US"/>
           </a:p>
@@ -2000,7 +2002,7 @@
           <a:p>
             <a:fld id="{09C650FE-E6B2-4D57-AAF6-1B2A37421AAD}" type="datetime1">
               <a:rPr lang="ko-KR" altLang="en-US" smtClean="0"/>
-              <a:t>2023-04-30</a:t>
+              <a:t>2023-05-06</a:t>
             </a:fld>
             <a:endParaRPr lang="ko-KR" altLang="en-US"/>
           </a:p>
@@ -2419,7 +2421,7 @@
           <a:p>
             <a:fld id="{E87F20C2-C949-4E4F-9580-FEE4F2DAC554}" type="datetime1">
               <a:rPr lang="ko-KR" altLang="en-US" smtClean="0"/>
-              <a:t>2023-04-30</a:t>
+              <a:t>2023-05-06</a:t>
             </a:fld>
             <a:endParaRPr lang="ko-KR" altLang="en-US"/>
           </a:p>
@@ -2536,7 +2538,7 @@
           <a:p>
             <a:fld id="{476DBFE0-70CA-4AA9-9C17-F02054822E7E}" type="datetime1">
               <a:rPr lang="ko-KR" altLang="en-US" smtClean="0"/>
-              <a:t>2023-04-30</a:t>
+              <a:t>2023-05-06</a:t>
             </a:fld>
             <a:endParaRPr lang="ko-KR" altLang="en-US"/>
           </a:p>
@@ -2631,7 +2633,7 @@
           <a:p>
             <a:fld id="{6DA84A72-C6AC-45C3-AE5A-9CF6D245353A}" type="datetime1">
               <a:rPr lang="ko-KR" altLang="en-US" smtClean="0"/>
-              <a:t>2023-04-30</a:t>
+              <a:t>2023-05-06</a:t>
             </a:fld>
             <a:endParaRPr lang="ko-KR" altLang="en-US"/>
           </a:p>
@@ -2906,7 +2908,7 @@
           <a:p>
             <a:fld id="{092D9E8D-7616-4FA8-9B12-88059974D499}" type="datetime1">
               <a:rPr lang="ko-KR" altLang="en-US" smtClean="0"/>
-              <a:t>2023-04-30</a:t>
+              <a:t>2023-05-06</a:t>
             </a:fld>
             <a:endParaRPr lang="ko-KR" altLang="en-US"/>
           </a:p>
@@ -3158,7 +3160,7 @@
           <a:p>
             <a:fld id="{79F4C3F6-B4DC-4E51-8609-BCC628ECDBF3}" type="datetime1">
               <a:rPr lang="ko-KR" altLang="en-US" smtClean="0"/>
-              <a:t>2023-04-30</a:t>
+              <a:t>2023-05-06</a:t>
             </a:fld>
             <a:endParaRPr lang="ko-KR" altLang="en-US"/>
           </a:p>
@@ -3337,7 +3339,7 @@
           <a:p>
             <a:fld id="{B2C4C586-F21B-48DD-B591-4B12E73E0749}" type="datetime1">
               <a:rPr lang="ko-KR" altLang="en-US" smtClean="0"/>
-              <a:t>2023-04-30</a:t>
+              <a:t>2023-05-06</a:t>
             </a:fld>
             <a:endParaRPr lang="ko-KR" altLang="en-US"/>
           </a:p>
@@ -7676,24 +7678,12 @@
               <a:t> </a:t>
             </a:r>
             <a:r>
-              <a:rPr lang="ko-KR" altLang="en-US" sz="2800" dirty="0"/>
-              <a:t>정규화</a:t>
-            </a:r>
-            <a:r>
-              <a:rPr lang="en-US" altLang="ko-KR" sz="2800" dirty="0"/>
-              <a:t> – </a:t>
-            </a:r>
-            <a:r>
-              <a:rPr lang="ko-KR" altLang="en-US" sz="2800" dirty="0"/>
-              <a:t>제</a:t>
-            </a:r>
-            <a:r>
-              <a:rPr lang="en-US" altLang="ko-KR" sz="2800" dirty="0"/>
-              <a:t>1 </a:t>
-            </a:r>
-            <a:r>
-              <a:rPr lang="ko-KR" altLang="en-US" sz="2800" dirty="0" err="1"/>
-              <a:t>정규형</a:t>
+              <a:rPr lang="ko-KR" altLang="en-US" sz="2800" dirty="0" smtClean="0"/>
+              <a:t>관계</a:t>
+            </a:r>
+            <a:r>
+              <a:rPr lang="en-US" altLang="ko-KR" sz="2800" dirty="0" smtClean="0"/>
+              <a:t>(Relationship)</a:t>
             </a:r>
             <a:endParaRPr lang="ko-KR" altLang="en-US" sz="2800" dirty="0"/>
           </a:p>
@@ -7717,6 +7707,264 @@
             <a:fld id="{1BDE3FE7-3AEA-4B05-AC5A-802D1816ACF0}" type="slidenum">
               <a:rPr lang="ko-KR" altLang="en-US" smtClean="0"/>
               <a:t>17</a:t>
+            </a:fld>
+            <a:endParaRPr lang="ko-KR" altLang="en-US"/>
+          </a:p>
+        </p:txBody>
+      </p:sp>
+      <p:pic>
+        <p:nvPicPr>
+          <p:cNvPr id="12" name="그림 11"/>
+          <p:cNvPicPr>
+            <a:picLocks noChangeAspect="1"/>
+          </p:cNvPicPr>
+          <p:nvPr/>
+        </p:nvPicPr>
+        <p:blipFill>
+          <a:blip r:embed="rId2">
+            <a:extLst>
+              <a:ext uri="{28A0092B-C50C-407E-A947-70E740481C1C}">
+                <a14:useLocalDpi xmlns:a14="http://schemas.microsoft.com/office/drawing/2010/main" val="0"/>
+              </a:ext>
+            </a:extLst>
+          </a:blip>
+          <a:stretch>
+            <a:fillRect/>
+          </a:stretch>
+        </p:blipFill>
+        <p:spPr>
+          <a:xfrm>
+            <a:off x="2123728" y="1052736"/>
+            <a:ext cx="4679256" cy="5057725"/>
+          </a:xfrm>
+          <a:prstGeom prst="rect">
+            <a:avLst/>
+          </a:prstGeom>
+          <a:ln>
+            <a:solidFill>
+              <a:schemeClr val="bg1">
+                <a:lumMod val="85000"/>
+              </a:schemeClr>
+            </a:solidFill>
+          </a:ln>
+        </p:spPr>
+      </p:pic>
+    </p:spTree>
+    <p:extLst>
+      <p:ext uri="{BB962C8B-B14F-4D97-AF65-F5344CB8AC3E}">
+        <p14:creationId xmlns:p14="http://schemas.microsoft.com/office/powerpoint/2010/main" val="3933528780"/>
+      </p:ext>
+    </p:extLst>
+  </p:cSld>
+  <p:clrMapOvr>
+    <a:masterClrMapping/>
+  </p:clrMapOvr>
+</p:sld>
+</file>
+
+<file path=ppt/slides/slide18.xml><?xml version="1.0" encoding="utf-8"?>
+<p:sld xmlns:a="http://schemas.openxmlformats.org/drawingml/2006/main" xmlns:r="http://schemas.openxmlformats.org/officeDocument/2006/relationships" xmlns:p="http://schemas.openxmlformats.org/presentationml/2006/main">
+  <p:cSld>
+    <p:spTree>
+      <p:nvGrpSpPr>
+        <p:cNvPr id="1" name=""/>
+        <p:cNvGrpSpPr/>
+        <p:nvPr/>
+      </p:nvGrpSpPr>
+      <p:grpSpPr>
+        <a:xfrm>
+          <a:off x="0" y="0"/>
+          <a:ext cx="0" cy="0"/>
+          <a:chOff x="0" y="0"/>
+          <a:chExt cx="0" cy="0"/>
+        </a:xfrm>
+      </p:grpSpPr>
+      <p:sp>
+        <p:nvSpPr>
+          <p:cNvPr id="2" name="제목 1"/>
+          <p:cNvSpPr>
+            <a:spLocks noGrp="1"/>
+          </p:cNvSpPr>
+          <p:nvPr>
+            <p:ph type="title"/>
+          </p:nvPr>
+        </p:nvSpPr>
+        <p:spPr/>
+        <p:txBody>
+          <a:bodyPr>
+            <a:normAutofit/>
+          </a:bodyPr>
+          <a:lstStyle/>
+          <a:p>
+            <a:r>
+              <a:rPr lang="en-US" altLang="ko-KR" sz="2800" dirty="0"/>
+              <a:t> </a:t>
+            </a:r>
+            <a:r>
+              <a:rPr lang="ko-KR" altLang="en-US" sz="2800" dirty="0" smtClean="0"/>
+              <a:t>관계</a:t>
+            </a:r>
+            <a:r>
+              <a:rPr lang="en-US" altLang="ko-KR" sz="2800" dirty="0" smtClean="0"/>
+              <a:t>(Relationship)</a:t>
+            </a:r>
+            <a:endParaRPr lang="ko-KR" altLang="en-US" sz="2800" dirty="0"/>
+          </a:p>
+        </p:txBody>
+      </p:sp>
+      <p:sp>
+        <p:nvSpPr>
+          <p:cNvPr id="4" name="슬라이드 번호 개체 틀 3"/>
+          <p:cNvSpPr>
+            <a:spLocks noGrp="1"/>
+          </p:cNvSpPr>
+          <p:nvPr>
+            <p:ph type="sldNum" sz="quarter" idx="12"/>
+          </p:nvPr>
+        </p:nvSpPr>
+        <p:spPr/>
+        <p:txBody>
+          <a:bodyPr/>
+          <a:lstStyle/>
+          <a:p>
+            <a:fld id="{1BDE3FE7-3AEA-4B05-AC5A-802D1816ACF0}" type="slidenum">
+              <a:rPr lang="ko-KR" altLang="en-US" smtClean="0"/>
+              <a:t>18</a:t>
+            </a:fld>
+            <a:endParaRPr lang="ko-KR" altLang="en-US"/>
+          </a:p>
+        </p:txBody>
+      </p:sp>
+      <p:pic>
+        <p:nvPicPr>
+          <p:cNvPr id="3" name="그림 2"/>
+          <p:cNvPicPr>
+            <a:picLocks noChangeAspect="1"/>
+          </p:cNvPicPr>
+          <p:nvPr/>
+        </p:nvPicPr>
+        <p:blipFill>
+          <a:blip r:embed="rId2">
+            <a:extLst>
+              <a:ext uri="{28A0092B-C50C-407E-A947-70E740481C1C}">
+                <a14:useLocalDpi xmlns:a14="http://schemas.microsoft.com/office/drawing/2010/main" val="0"/>
+              </a:ext>
+            </a:extLst>
+          </a:blip>
+          <a:stretch>
+            <a:fillRect/>
+          </a:stretch>
+        </p:blipFill>
+        <p:spPr>
+          <a:xfrm>
+            <a:off x="1547664" y="1052736"/>
+            <a:ext cx="5522325" cy="5040560"/>
+          </a:xfrm>
+          <a:prstGeom prst="rect">
+            <a:avLst/>
+          </a:prstGeom>
+          <a:ln>
+            <a:solidFill>
+              <a:schemeClr val="bg1">
+                <a:lumMod val="85000"/>
+              </a:schemeClr>
+            </a:solidFill>
+          </a:ln>
+        </p:spPr>
+      </p:pic>
+    </p:spTree>
+    <p:extLst>
+      <p:ext uri="{BB962C8B-B14F-4D97-AF65-F5344CB8AC3E}">
+        <p14:creationId xmlns:p14="http://schemas.microsoft.com/office/powerpoint/2010/main" val="3275091837"/>
+      </p:ext>
+    </p:extLst>
+  </p:cSld>
+  <p:clrMapOvr>
+    <a:masterClrMapping/>
+  </p:clrMapOvr>
+</p:sld>
+</file>
+
+<file path=ppt/slides/slide19.xml><?xml version="1.0" encoding="utf-8"?>
+<p:sld xmlns:a="http://schemas.openxmlformats.org/drawingml/2006/main" xmlns:r="http://schemas.openxmlformats.org/officeDocument/2006/relationships" xmlns:p="http://schemas.openxmlformats.org/presentationml/2006/main">
+  <p:cSld>
+    <p:spTree>
+      <p:nvGrpSpPr>
+        <p:cNvPr id="1" name=""/>
+        <p:cNvGrpSpPr/>
+        <p:nvPr/>
+      </p:nvGrpSpPr>
+      <p:grpSpPr>
+        <a:xfrm>
+          <a:off x="0" y="0"/>
+          <a:ext cx="0" cy="0"/>
+          <a:chOff x="0" y="0"/>
+          <a:chExt cx="0" cy="0"/>
+        </a:xfrm>
+      </p:grpSpPr>
+      <p:sp>
+        <p:nvSpPr>
+          <p:cNvPr id="2" name="제목 1"/>
+          <p:cNvSpPr>
+            <a:spLocks noGrp="1"/>
+          </p:cNvSpPr>
+          <p:nvPr>
+            <p:ph type="title"/>
+          </p:nvPr>
+        </p:nvSpPr>
+        <p:spPr/>
+        <p:txBody>
+          <a:bodyPr>
+            <a:normAutofit/>
+          </a:bodyPr>
+          <a:lstStyle/>
+          <a:p>
+            <a:r>
+              <a:rPr lang="en-US" altLang="ko-KR" sz="2800" dirty="0"/>
+              <a:t> </a:t>
+            </a:r>
+            <a:r>
+              <a:rPr lang="ko-KR" altLang="en-US" sz="2800" dirty="0"/>
+              <a:t>정규화</a:t>
+            </a:r>
+            <a:r>
+              <a:rPr lang="en-US" altLang="ko-KR" sz="2800" dirty="0"/>
+              <a:t> – </a:t>
+            </a:r>
+            <a:r>
+              <a:rPr lang="ko-KR" altLang="en-US" sz="2800" dirty="0"/>
+              <a:t>제</a:t>
+            </a:r>
+            <a:r>
+              <a:rPr lang="en-US" altLang="ko-KR" sz="2800" dirty="0"/>
+              <a:t>1 </a:t>
+            </a:r>
+            <a:r>
+              <a:rPr lang="ko-KR" altLang="en-US" sz="2800" dirty="0" err="1"/>
+              <a:t>정규형</a:t>
+            </a:r>
+            <a:endParaRPr lang="ko-KR" altLang="en-US" sz="2800" dirty="0"/>
+          </a:p>
+        </p:txBody>
+      </p:sp>
+      <p:sp>
+        <p:nvSpPr>
+          <p:cNvPr id="4" name="슬라이드 번호 개체 틀 3"/>
+          <p:cNvSpPr>
+            <a:spLocks noGrp="1"/>
+          </p:cNvSpPr>
+          <p:nvPr>
+            <p:ph type="sldNum" sz="quarter" idx="12"/>
+          </p:nvPr>
+        </p:nvSpPr>
+        <p:spPr/>
+        <p:txBody>
+          <a:bodyPr/>
+          <a:lstStyle/>
+          <a:p>
+            <a:fld id="{1BDE3FE7-3AEA-4B05-AC5A-802D1816ACF0}" type="slidenum">
+              <a:rPr lang="ko-KR" altLang="en-US" smtClean="0"/>
+              <a:t>19</a:t>
             </a:fld>
             <a:endParaRPr lang="ko-KR" altLang="en-US"/>
           </a:p>
@@ -7775,14 +8023,14 @@
           <p:nvPr>
             <p:extLst>
               <p:ext uri="{D42A27DB-BD31-4B8C-83A1-F6EECF244321}">
-                <p14:modId xmlns:p14="http://schemas.microsoft.com/office/powerpoint/2010/main" val="716834029"/>
+                <p14:modId xmlns:p14="http://schemas.microsoft.com/office/powerpoint/2010/main" val="2917915461"/>
               </p:ext>
             </p:extLst>
           </p:nvPr>
         </p:nvGraphicFramePr>
         <p:xfrm>
           <a:off x="1187624" y="2636913"/>
-          <a:ext cx="2448272" cy="2376263"/>
+          <a:ext cx="2160240" cy="2088230"/>
         </p:xfrm>
         <a:graphic>
           <a:graphicData uri="http://schemas.openxmlformats.org/drawingml/2006/table">
@@ -7791,14 +8039,14 @@
                 <a:tableStyleId>{5940675A-B579-460E-94D1-54222C63F5DA}</a:tableStyleId>
               </a:tblPr>
               <a:tblGrid>
-                <a:gridCol w="898621">
+                <a:gridCol w="792901">
                   <a:extLst>
                     <a:ext uri="{9D8B030D-6E8A-4147-A177-3AD203B41FA5}">
                       <a16:colId xmlns:a16="http://schemas.microsoft.com/office/drawing/2014/main" val="20001"/>
                     </a:ext>
                   </a:extLst>
                 </a:gridCol>
-                <a:gridCol w="1549651">
+                <a:gridCol w="1367339">
                   <a:extLst>
                     <a:ext uri="{9D8B030D-6E8A-4147-A177-3AD203B41FA5}">
                       <a16:colId xmlns:a16="http://schemas.microsoft.com/office/drawing/2014/main" val="20002"/>
@@ -7806,7 +8054,7 @@
                   </a:extLst>
                 </a:gridCol>
               </a:tblGrid>
-              <a:tr h="439407">
+              <a:tr h="386146">
                 <a:tc>
                   <a:txBody>
                     <a:bodyPr/>
@@ -7853,7 +8101,7 @@
                   </a:ext>
                 </a:extLst>
               </a:tr>
-              <a:tr h="484214">
+              <a:tr h="425521">
                 <a:tc>
                   <a:txBody>
                     <a:bodyPr/>
@@ -7888,7 +8136,7 @@
                   </a:ext>
                 </a:extLst>
               </a:tr>
-              <a:tr h="484214">
+              <a:tr h="425521">
                 <a:tc>
                   <a:txBody>
                     <a:bodyPr/>
@@ -7931,7 +8179,7 @@
                   </a:ext>
                 </a:extLst>
               </a:tr>
-              <a:tr h="484214">
+              <a:tr h="425521">
                 <a:tc>
                   <a:txBody>
                     <a:bodyPr/>
@@ -7974,7 +8222,7 @@
                   </a:ext>
                 </a:extLst>
               </a:tr>
-              <a:tr h="484214">
+              <a:tr h="425521">
                 <a:tc>
                   <a:txBody>
                     <a:bodyPr/>
@@ -8063,7 +8311,7 @@
         </p:nvSpPr>
         <p:spPr>
           <a:xfrm>
-            <a:off x="3923928" y="3284984"/>
+            <a:off x="3851920" y="3501008"/>
             <a:ext cx="504056" cy="288032"/>
           </a:xfrm>
           <a:prstGeom prst="rightArrow">
@@ -8111,14 +8359,14 @@
           <p:nvPr>
             <p:extLst>
               <p:ext uri="{D42A27DB-BD31-4B8C-83A1-F6EECF244321}">
-                <p14:modId xmlns:p14="http://schemas.microsoft.com/office/powerpoint/2010/main" val="1461532925"/>
+                <p14:modId xmlns:p14="http://schemas.microsoft.com/office/powerpoint/2010/main" val="3324093852"/>
               </p:ext>
             </p:extLst>
           </p:nvPr>
         </p:nvGraphicFramePr>
         <p:xfrm>
           <a:off x="4716016" y="2676597"/>
-          <a:ext cx="2448272" cy="3344691"/>
+          <a:ext cx="2664296" cy="2696619"/>
         </p:xfrm>
         <a:graphic>
           <a:graphicData uri="http://schemas.openxmlformats.org/drawingml/2006/table">
@@ -8127,14 +8375,14 @@
                 <a:tableStyleId>{5940675A-B579-460E-94D1-54222C63F5DA}</a:tableStyleId>
               </a:tblPr>
               <a:tblGrid>
-                <a:gridCol w="898621">
+                <a:gridCol w="977911">
                   <a:extLst>
                     <a:ext uri="{9D8B030D-6E8A-4147-A177-3AD203B41FA5}">
                       <a16:colId xmlns:a16="http://schemas.microsoft.com/office/drawing/2014/main" val="20001"/>
                     </a:ext>
                   </a:extLst>
                 </a:gridCol>
-                <a:gridCol w="1549651">
+                <a:gridCol w="1686385">
                   <a:extLst>
                     <a:ext uri="{9D8B030D-6E8A-4147-A177-3AD203B41FA5}">
                       <a16:colId xmlns:a16="http://schemas.microsoft.com/office/drawing/2014/main" val="20002"/>
@@ -8142,7 +8390,7 @@
                   </a:extLst>
                 </a:gridCol>
               </a:tblGrid>
-              <a:tr h="439407">
+              <a:tr h="354267">
                 <a:tc>
                   <a:txBody>
                     <a:bodyPr/>
@@ -8189,7 +8437,7 @@
                   </a:ext>
                 </a:extLst>
               </a:tr>
-              <a:tr h="484214">
+              <a:tr h="390392">
                 <a:tc>
                   <a:txBody>
                     <a:bodyPr/>
@@ -8224,7 +8472,7 @@
                   </a:ext>
                 </a:extLst>
               </a:tr>
-              <a:tr h="484214">
+              <a:tr h="390392">
                 <a:tc>
                   <a:txBody>
                     <a:bodyPr/>
@@ -8259,7 +8507,7 @@
                   </a:ext>
                 </a:extLst>
               </a:tr>
-              <a:tr h="484214">
+              <a:tr h="390392">
                 <a:tc>
                   <a:txBody>
                     <a:bodyPr/>
@@ -8294,7 +8542,7 @@
                   </a:ext>
                 </a:extLst>
               </a:tr>
-              <a:tr h="484214">
+              <a:tr h="390392">
                 <a:tc>
                   <a:txBody>
                     <a:bodyPr/>
@@ -8329,7 +8577,7 @@
                   </a:ext>
                 </a:extLst>
               </a:tr>
-              <a:tr h="484214">
+              <a:tr h="390392">
                 <a:tc>
                   <a:txBody>
                     <a:bodyPr/>
@@ -8364,7 +8612,7 @@
                   </a:ext>
                 </a:extLst>
               </a:tr>
-              <a:tr h="484214">
+              <a:tr h="390392">
                 <a:tc>
                   <a:txBody>
                     <a:bodyPr/>
@@ -8476,7 +8724,7 @@
     </p:spTree>
     <p:extLst>
       <p:ext uri="{BB962C8B-B14F-4D97-AF65-F5344CB8AC3E}">
-        <p14:creationId xmlns:p14="http://schemas.microsoft.com/office/powerpoint/2010/main" val="3933528780"/>
+        <p14:creationId xmlns:p14="http://schemas.microsoft.com/office/powerpoint/2010/main" val="3368429658"/>
       </p:ext>
     </p:extLst>
   </p:cSld>
@@ -8486,7 +8734,7 @@
 </p:sld>
 </file>
 
-<file path=ppt/slides/slide18.xml><?xml version="1.0" encoding="utf-8"?>
+<file path=ppt/slides/slide2.xml><?xml version="1.0" encoding="utf-8"?>
 <p:sld xmlns:a="http://schemas.openxmlformats.org/drawingml/2006/main" xmlns:r="http://schemas.openxmlformats.org/officeDocument/2006/relationships" xmlns:p="http://schemas.openxmlformats.org/presentationml/2006/main">
   <p:cSld>
     <p:spTree>
@@ -8515,36 +8763,17 @@
         </p:nvSpPr>
         <p:spPr/>
         <p:txBody>
-          <a:bodyPr>
-            <a:normAutofit/>
-          </a:bodyPr>
+          <a:bodyPr/>
           <a:lstStyle/>
           <a:p>
             <a:r>
-              <a:rPr lang="en-US" altLang="ko-KR" sz="2800" dirty="0"/>
-              <a:t> </a:t>
-            </a:r>
-            <a:r>
-              <a:rPr lang="ko-KR" altLang="en-US" sz="2800" dirty="0"/>
-              <a:t>정규화</a:t>
-            </a:r>
-            <a:r>
-              <a:rPr lang="en-US" altLang="ko-KR" sz="2800" dirty="0"/>
-              <a:t> – </a:t>
-            </a:r>
-            <a:r>
-              <a:rPr lang="ko-KR" altLang="en-US" sz="2800" dirty="0"/>
-              <a:t>제</a:t>
-            </a:r>
-            <a:r>
-              <a:rPr lang="en-US" altLang="ko-KR" sz="2800" dirty="0"/>
-              <a:t>2 </a:t>
-            </a:r>
-            <a:r>
-              <a:rPr lang="ko-KR" altLang="en-US" sz="2800" dirty="0" err="1"/>
-              <a:t>정규형</a:t>
-            </a:r>
-            <a:endParaRPr lang="ko-KR" altLang="en-US" sz="2800" dirty="0"/>
+              <a:rPr lang="en-US" altLang="ko-KR" dirty="0"/>
+              <a:t>  </a:t>
+            </a:r>
+            <a:r>
+              <a:rPr lang="ko-KR" altLang="en-US" dirty="0"/>
+              <a:t>제약 조건</a:t>
+            </a:r>
           </a:p>
         </p:txBody>
       </p:sp>
@@ -8565,7 +8794,537 @@
           <a:p>
             <a:fld id="{1BDE3FE7-3AEA-4B05-AC5A-802D1816ACF0}" type="slidenum">
               <a:rPr lang="ko-KR" altLang="en-US" smtClean="0"/>
-              <a:t>18</a:t>
+              <a:t>2</a:t>
+            </a:fld>
+            <a:endParaRPr lang="ko-KR" altLang="en-US"/>
+          </a:p>
+        </p:txBody>
+      </p:sp>
+      <p:sp>
+        <p:nvSpPr>
+          <p:cNvPr id="10" name="내용 개체 틀 2"/>
+          <p:cNvSpPr>
+            <a:spLocks noGrp="1"/>
+          </p:cNvSpPr>
+          <p:nvPr>
+            <p:ph idx="1"/>
+          </p:nvPr>
+        </p:nvSpPr>
+        <p:spPr>
+          <a:xfrm>
+            <a:off x="827584" y="1124744"/>
+            <a:ext cx="1440160" cy="504056"/>
+          </a:xfrm>
+        </p:spPr>
+        <p:txBody>
+          <a:bodyPr>
+            <a:noAutofit/>
+          </a:bodyPr>
+          <a:lstStyle/>
+          <a:p>
+            <a:pPr marL="0" indent="0">
+              <a:lnSpc>
+                <a:spcPct val="150000"/>
+              </a:lnSpc>
+              <a:buNone/>
+            </a:pPr>
+            <a:r>
+              <a:rPr lang="en-US" altLang="ko-KR" sz="2000" b="1" dirty="0"/>
+              <a:t>  </a:t>
+            </a:r>
+            <a:r>
+              <a:rPr lang="ko-KR" altLang="en-US" sz="2000" b="1" dirty="0">
+                <a:solidFill>
+                  <a:srgbClr val="C00000"/>
+                </a:solidFill>
+              </a:rPr>
+              <a:t>제약조건</a:t>
+            </a:r>
+            <a:endParaRPr lang="en-US" altLang="ko-KR" sz="2000" b="1" dirty="0">
+              <a:solidFill>
+                <a:srgbClr val="C00000"/>
+              </a:solidFill>
+            </a:endParaRPr>
+          </a:p>
+        </p:txBody>
+      </p:sp>
+      <p:sp>
+        <p:nvSpPr>
+          <p:cNvPr id="3" name="TextBox 2"/>
+          <p:cNvSpPr txBox="1"/>
+          <p:nvPr/>
+        </p:nvSpPr>
+        <p:spPr>
+          <a:xfrm>
+            <a:off x="1106590" y="2924944"/>
+            <a:ext cx="7353842" cy="1246495"/>
+          </a:xfrm>
+          <a:prstGeom prst="rect">
+            <a:avLst/>
+          </a:prstGeom>
+          <a:noFill/>
+        </p:spPr>
+        <p:txBody>
+          <a:bodyPr wrap="square" rtlCol="0">
+            <a:spAutoFit/>
+          </a:bodyPr>
+          <a:lstStyle/>
+          <a:p>
+            <a:pPr>
+              <a:lnSpc>
+                <a:spcPct val="150000"/>
+              </a:lnSpc>
+            </a:pPr>
+            <a:r>
+              <a:rPr lang="en-US" altLang="ko-KR" b="1" dirty="0">
+                <a:solidFill>
+                  <a:srgbClr val="C00000"/>
+                </a:solidFill>
+              </a:rPr>
+              <a:t>NOT NULL</a:t>
+            </a:r>
+            <a:endParaRPr lang="en-US" altLang="ko-KR" sz="1600" b="1" dirty="0">
+              <a:solidFill>
+                <a:srgbClr val="C00000"/>
+              </a:solidFill>
+            </a:endParaRPr>
+          </a:p>
+          <a:p>
+            <a:pPr>
+              <a:lnSpc>
+                <a:spcPct val="150000"/>
+              </a:lnSpc>
+            </a:pPr>
+            <a:r>
+              <a:rPr lang="en-US" altLang="ko-KR" sz="1600" dirty="0"/>
+              <a:t>    </a:t>
+            </a:r>
+            <a:r>
+              <a:rPr lang="ko-KR" altLang="en-US" sz="1600" dirty="0"/>
+              <a:t>칼럼을 정의할 때 </a:t>
+            </a:r>
+            <a:r>
+              <a:rPr lang="en-US" altLang="ko-KR" sz="1600" dirty="0"/>
+              <a:t>NOT NULL </a:t>
+            </a:r>
+            <a:r>
+              <a:rPr lang="ko-KR" altLang="en-US" sz="1600" dirty="0"/>
+              <a:t>제약 조건을 명시하면 반드시 데이터를 입력</a:t>
+            </a:r>
+            <a:endParaRPr lang="en-US" altLang="ko-KR" sz="1600" dirty="0"/>
+          </a:p>
+          <a:p>
+            <a:pPr>
+              <a:lnSpc>
+                <a:spcPct val="150000"/>
+              </a:lnSpc>
+            </a:pPr>
+            <a:r>
+              <a:rPr lang="en-US" altLang="ko-KR" sz="1600" dirty="0"/>
+              <a:t>    </a:t>
+            </a:r>
+            <a:r>
+              <a:rPr lang="ko-KR" altLang="en-US" sz="1600" dirty="0" err="1"/>
+              <a:t>해야한다</a:t>
+            </a:r>
+            <a:r>
+              <a:rPr lang="en-US" altLang="ko-KR" sz="1600" dirty="0"/>
+              <a:t>.</a:t>
+            </a:r>
+          </a:p>
+        </p:txBody>
+      </p:sp>
+      <p:sp>
+        <p:nvSpPr>
+          <p:cNvPr id="6" name="내용 개체 틀 2"/>
+          <p:cNvSpPr txBox="1">
+            <a:spLocks/>
+          </p:cNvSpPr>
+          <p:nvPr/>
+        </p:nvSpPr>
+        <p:spPr>
+          <a:xfrm>
+            <a:off x="1493809" y="4365104"/>
+            <a:ext cx="5310439" cy="432048"/>
+          </a:xfrm>
+          <a:prstGeom prst="rect">
+            <a:avLst/>
+          </a:prstGeom>
+          <a:solidFill>
+            <a:schemeClr val="bg1">
+              <a:lumMod val="95000"/>
+            </a:schemeClr>
+          </a:solidFill>
+        </p:spPr>
+        <p:txBody>
+          <a:bodyPr vert="horz" lIns="91440" tIns="45720" rIns="91440" bIns="45720" rtlCol="0">
+            <a:noAutofit/>
+          </a:bodyPr>
+          <a:lstStyle>
+            <a:lvl1pPr marL="342900" indent="-342900" algn="l" defTabSz="914400" rtl="0" eaLnBrk="1" latinLnBrk="1" hangingPunct="1">
+              <a:spcBef>
+                <a:spcPct val="20000"/>
+              </a:spcBef>
+              <a:buFont typeface="Arial" panose="020B0604020202020204" pitchFamily="34" charset="0"/>
+              <a:buChar char="•"/>
+              <a:defRPr sz="3200" kern="1200">
+                <a:solidFill>
+                  <a:schemeClr val="tx1"/>
+                </a:solidFill>
+                <a:latin typeface="+mn-lt"/>
+                <a:ea typeface="+mn-ea"/>
+                <a:cs typeface="+mn-cs"/>
+              </a:defRPr>
+            </a:lvl1pPr>
+            <a:lvl2pPr marL="742950" indent="-285750" algn="l" defTabSz="914400" rtl="0" eaLnBrk="1" latinLnBrk="1" hangingPunct="1">
+              <a:spcBef>
+                <a:spcPct val="20000"/>
+              </a:spcBef>
+              <a:buFont typeface="Arial" panose="020B0604020202020204" pitchFamily="34" charset="0"/>
+              <a:buChar char="–"/>
+              <a:defRPr sz="2800" kern="1200">
+                <a:solidFill>
+                  <a:schemeClr val="tx1"/>
+                </a:solidFill>
+                <a:latin typeface="+mn-lt"/>
+                <a:ea typeface="+mn-ea"/>
+                <a:cs typeface="+mn-cs"/>
+              </a:defRPr>
+            </a:lvl2pPr>
+            <a:lvl3pPr marL="1143000" indent="-228600" algn="l" defTabSz="914400" rtl="0" eaLnBrk="1" latinLnBrk="1" hangingPunct="1">
+              <a:spcBef>
+                <a:spcPct val="20000"/>
+              </a:spcBef>
+              <a:buFont typeface="Arial" panose="020B0604020202020204" pitchFamily="34" charset="0"/>
+              <a:buChar char="•"/>
+              <a:defRPr sz="2400" kern="1200">
+                <a:solidFill>
+                  <a:schemeClr val="tx1"/>
+                </a:solidFill>
+                <a:latin typeface="+mn-lt"/>
+                <a:ea typeface="+mn-ea"/>
+                <a:cs typeface="+mn-cs"/>
+              </a:defRPr>
+            </a:lvl3pPr>
+            <a:lvl4pPr marL="1600200" indent="-228600" algn="l" defTabSz="914400" rtl="0" eaLnBrk="1" latinLnBrk="1" hangingPunct="1">
+              <a:spcBef>
+                <a:spcPct val="20000"/>
+              </a:spcBef>
+              <a:buFont typeface="Arial" panose="020B0604020202020204" pitchFamily="34" charset="0"/>
+              <a:buChar char="–"/>
+              <a:defRPr sz="2000" kern="1200">
+                <a:solidFill>
+                  <a:schemeClr val="tx1"/>
+                </a:solidFill>
+                <a:latin typeface="+mn-lt"/>
+                <a:ea typeface="+mn-ea"/>
+                <a:cs typeface="+mn-cs"/>
+              </a:defRPr>
+            </a:lvl4pPr>
+            <a:lvl5pPr marL="2057400" indent="-228600" algn="l" defTabSz="914400" rtl="0" eaLnBrk="1" latinLnBrk="1" hangingPunct="1">
+              <a:spcBef>
+                <a:spcPct val="20000"/>
+              </a:spcBef>
+              <a:buFont typeface="Arial" panose="020B0604020202020204" pitchFamily="34" charset="0"/>
+              <a:buChar char="»"/>
+              <a:defRPr sz="2000" kern="1200">
+                <a:solidFill>
+                  <a:schemeClr val="tx1"/>
+                </a:solidFill>
+                <a:latin typeface="+mn-lt"/>
+                <a:ea typeface="+mn-ea"/>
+                <a:cs typeface="+mn-cs"/>
+              </a:defRPr>
+            </a:lvl5pPr>
+            <a:lvl6pPr marL="2514600" indent="-228600" algn="l" defTabSz="914400" rtl="0" eaLnBrk="1" latinLnBrk="1" hangingPunct="1">
+              <a:spcBef>
+                <a:spcPct val="20000"/>
+              </a:spcBef>
+              <a:buFont typeface="Arial" panose="020B0604020202020204" pitchFamily="34" charset="0"/>
+              <a:buChar char="•"/>
+              <a:defRPr sz="2000" kern="1200">
+                <a:solidFill>
+                  <a:schemeClr val="tx1"/>
+                </a:solidFill>
+                <a:latin typeface="+mn-lt"/>
+                <a:ea typeface="+mn-ea"/>
+                <a:cs typeface="+mn-cs"/>
+              </a:defRPr>
+            </a:lvl6pPr>
+            <a:lvl7pPr marL="2971800" indent="-228600" algn="l" defTabSz="914400" rtl="0" eaLnBrk="1" latinLnBrk="1" hangingPunct="1">
+              <a:spcBef>
+                <a:spcPct val="20000"/>
+              </a:spcBef>
+              <a:buFont typeface="Arial" panose="020B0604020202020204" pitchFamily="34" charset="0"/>
+              <a:buChar char="•"/>
+              <a:defRPr sz="2000" kern="1200">
+                <a:solidFill>
+                  <a:schemeClr val="tx1"/>
+                </a:solidFill>
+                <a:latin typeface="+mn-lt"/>
+                <a:ea typeface="+mn-ea"/>
+                <a:cs typeface="+mn-cs"/>
+              </a:defRPr>
+            </a:lvl7pPr>
+            <a:lvl8pPr marL="3429000" indent="-228600" algn="l" defTabSz="914400" rtl="0" eaLnBrk="1" latinLnBrk="1" hangingPunct="1">
+              <a:spcBef>
+                <a:spcPct val="20000"/>
+              </a:spcBef>
+              <a:buFont typeface="Arial" panose="020B0604020202020204" pitchFamily="34" charset="0"/>
+              <a:buChar char="•"/>
+              <a:defRPr sz="2000" kern="1200">
+                <a:solidFill>
+                  <a:schemeClr val="tx1"/>
+                </a:solidFill>
+                <a:latin typeface="+mn-lt"/>
+                <a:ea typeface="+mn-ea"/>
+                <a:cs typeface="+mn-cs"/>
+              </a:defRPr>
+            </a:lvl8pPr>
+            <a:lvl9pPr marL="3886200" indent="-228600" algn="l" defTabSz="914400" rtl="0" eaLnBrk="1" latinLnBrk="1" hangingPunct="1">
+              <a:spcBef>
+                <a:spcPct val="20000"/>
+              </a:spcBef>
+              <a:buFont typeface="Arial" panose="020B0604020202020204" pitchFamily="34" charset="0"/>
+              <a:buChar char="•"/>
+              <a:defRPr sz="2000" kern="1200">
+                <a:solidFill>
+                  <a:schemeClr val="tx1"/>
+                </a:solidFill>
+                <a:latin typeface="+mn-lt"/>
+                <a:ea typeface="+mn-ea"/>
+                <a:cs typeface="+mn-cs"/>
+              </a:defRPr>
+            </a:lvl9pPr>
+          </a:lstStyle>
+          <a:p>
+            <a:pPr marL="0" indent="0">
+              <a:lnSpc>
+                <a:spcPct val="150000"/>
+              </a:lnSpc>
+              <a:buFont typeface="Arial" panose="020B0604020202020204" pitchFamily="34" charset="0"/>
+              <a:buNone/>
+            </a:pPr>
+            <a:r>
+              <a:rPr lang="en-US" altLang="ko-KR" sz="1600" b="1" dirty="0"/>
+              <a:t>    </a:t>
+            </a:r>
+            <a:r>
+              <a:rPr lang="ko-KR" altLang="en-US" sz="1600" dirty="0" err="1"/>
+              <a:t>칼럼명</a:t>
+            </a:r>
+            <a:r>
+              <a:rPr lang="ko-KR" altLang="en-US" sz="1600" dirty="0"/>
+              <a:t>  데이터 타입 </a:t>
+            </a:r>
+            <a:r>
+              <a:rPr lang="en-US" altLang="ko-KR" sz="1600" b="1" dirty="0"/>
+              <a:t>NOT NULL</a:t>
+            </a:r>
+          </a:p>
+        </p:txBody>
+      </p:sp>
+      <p:sp>
+        <p:nvSpPr>
+          <p:cNvPr id="5" name="직사각형 4"/>
+          <p:cNvSpPr/>
+          <p:nvPr/>
+        </p:nvSpPr>
+        <p:spPr>
+          <a:xfrm>
+            <a:off x="1043608" y="1628800"/>
+            <a:ext cx="7560840" cy="1200329"/>
+          </a:xfrm>
+          <a:prstGeom prst="rect">
+            <a:avLst/>
+          </a:prstGeom>
+        </p:spPr>
+        <p:txBody>
+          <a:bodyPr wrap="square">
+            <a:spAutoFit/>
+          </a:bodyPr>
+          <a:lstStyle/>
+          <a:p>
+            <a:pPr>
+              <a:lnSpc>
+                <a:spcPct val="150000"/>
+              </a:lnSpc>
+            </a:pPr>
+            <a:r>
+              <a:rPr lang="ko-KR" altLang="en-US" sz="1600" dirty="0"/>
+              <a:t>테이블들은 각 속성</a:t>
+            </a:r>
+            <a:r>
+              <a:rPr lang="en-US" altLang="ko-KR" sz="1600" dirty="0"/>
+              <a:t>(</a:t>
+            </a:r>
+            <a:r>
+              <a:rPr lang="ko-KR" altLang="en-US" sz="1600" dirty="0"/>
+              <a:t>칼럼</a:t>
+            </a:r>
+            <a:r>
+              <a:rPr lang="en-US" altLang="ko-KR" sz="1600" dirty="0"/>
+              <a:t>)</a:t>
+            </a:r>
+            <a:r>
+              <a:rPr lang="ko-KR" altLang="en-US" sz="1600" dirty="0"/>
+              <a:t>에 대한 </a:t>
+            </a:r>
+            <a:r>
+              <a:rPr lang="ko-KR" altLang="en-US" sz="1600" dirty="0" err="1"/>
+              <a:t>무결성을</a:t>
+            </a:r>
+            <a:r>
+              <a:rPr lang="ko-KR" altLang="en-US" sz="1600" dirty="0"/>
+              <a:t> 유지하기 위한 다양한 제약 조건</a:t>
+            </a:r>
+            <a:r>
+              <a:rPr lang="en-US" altLang="ko-KR" sz="1600" dirty="0"/>
+              <a:t>(Constraints)</a:t>
+            </a:r>
+            <a:r>
+              <a:rPr lang="ko-KR" altLang="en-US" sz="1600" dirty="0"/>
+              <a:t>이 적용되어 있다</a:t>
+            </a:r>
+            <a:r>
+              <a:rPr lang="en-US" altLang="ko-KR" sz="1600" dirty="0"/>
+              <a:t>.</a:t>
+            </a:r>
+          </a:p>
+          <a:p>
+            <a:pPr>
+              <a:lnSpc>
+                <a:spcPct val="150000"/>
+              </a:lnSpc>
+            </a:pPr>
+            <a:r>
+              <a:rPr lang="ko-KR" altLang="en-US" sz="1600" dirty="0"/>
+              <a:t>제약 조건에는 </a:t>
+            </a:r>
+            <a:r>
+              <a:rPr lang="en-US" altLang="ko-KR" sz="1600" dirty="0"/>
+              <a:t>NOT NULL,  </a:t>
+            </a:r>
+            <a:r>
+              <a:rPr lang="ko-KR" altLang="en-US" sz="1600" dirty="0" err="1"/>
+              <a:t>기본키</a:t>
+            </a:r>
+            <a:r>
+              <a:rPr lang="en-US" altLang="ko-KR" sz="1600" dirty="0"/>
+              <a:t>,  </a:t>
+            </a:r>
+            <a:r>
+              <a:rPr lang="ko-KR" altLang="en-US" sz="1600" dirty="0" err="1"/>
+              <a:t>외래키</a:t>
+            </a:r>
+            <a:r>
+              <a:rPr lang="en-US" altLang="ko-KR" sz="1600" dirty="0"/>
+              <a:t>, CHECK </a:t>
+            </a:r>
+            <a:r>
+              <a:rPr lang="ko-KR" altLang="en-US" sz="1600" dirty="0"/>
+              <a:t>등이 있다</a:t>
+            </a:r>
+            <a:r>
+              <a:rPr lang="en-US" altLang="ko-KR" sz="1600" dirty="0"/>
+              <a:t>.</a:t>
+            </a:r>
+          </a:p>
+        </p:txBody>
+      </p:sp>
+    </p:spTree>
+    <p:extLst>
+      <p:ext uri="{BB962C8B-B14F-4D97-AF65-F5344CB8AC3E}">
+        <p14:creationId xmlns:p14="http://schemas.microsoft.com/office/powerpoint/2010/main" val="625348957"/>
+      </p:ext>
+    </p:extLst>
+  </p:cSld>
+  <p:clrMapOvr>
+    <a:masterClrMapping/>
+  </p:clrMapOvr>
+</p:sld>
+</file>
+
+<file path=ppt/slides/slide20.xml><?xml version="1.0" encoding="utf-8"?>
+<p:sld xmlns:a="http://schemas.openxmlformats.org/drawingml/2006/main" xmlns:r="http://schemas.openxmlformats.org/officeDocument/2006/relationships" xmlns:p="http://schemas.openxmlformats.org/presentationml/2006/main">
+  <p:cSld>
+    <p:spTree>
+      <p:nvGrpSpPr>
+        <p:cNvPr id="1" name=""/>
+        <p:cNvGrpSpPr/>
+        <p:nvPr/>
+      </p:nvGrpSpPr>
+      <p:grpSpPr>
+        <a:xfrm>
+          <a:off x="0" y="0"/>
+          <a:ext cx="0" cy="0"/>
+          <a:chOff x="0" y="0"/>
+          <a:chExt cx="0" cy="0"/>
+        </a:xfrm>
+      </p:grpSpPr>
+      <p:sp>
+        <p:nvSpPr>
+          <p:cNvPr id="2" name="제목 1"/>
+          <p:cNvSpPr>
+            <a:spLocks noGrp="1"/>
+          </p:cNvSpPr>
+          <p:nvPr>
+            <p:ph type="title"/>
+          </p:nvPr>
+        </p:nvSpPr>
+        <p:spPr/>
+        <p:txBody>
+          <a:bodyPr>
+            <a:normAutofit/>
+          </a:bodyPr>
+          <a:lstStyle/>
+          <a:p>
+            <a:r>
+              <a:rPr lang="en-US" altLang="ko-KR" sz="2800" dirty="0"/>
+              <a:t> </a:t>
+            </a:r>
+            <a:r>
+              <a:rPr lang="ko-KR" altLang="en-US" sz="2800" dirty="0"/>
+              <a:t>정규화</a:t>
+            </a:r>
+            <a:r>
+              <a:rPr lang="en-US" altLang="ko-KR" sz="2800" dirty="0"/>
+              <a:t> – </a:t>
+            </a:r>
+            <a:r>
+              <a:rPr lang="ko-KR" altLang="en-US" sz="2800" dirty="0"/>
+              <a:t>제</a:t>
+            </a:r>
+            <a:r>
+              <a:rPr lang="en-US" altLang="ko-KR" sz="2800" dirty="0"/>
+              <a:t>2 </a:t>
+            </a:r>
+            <a:r>
+              <a:rPr lang="ko-KR" altLang="en-US" sz="2800" dirty="0" err="1"/>
+              <a:t>정규형</a:t>
+            </a:r>
+            <a:endParaRPr lang="ko-KR" altLang="en-US" sz="2800" dirty="0"/>
+          </a:p>
+        </p:txBody>
+      </p:sp>
+      <p:sp>
+        <p:nvSpPr>
+          <p:cNvPr id="4" name="슬라이드 번호 개체 틀 3"/>
+          <p:cNvSpPr>
+            <a:spLocks noGrp="1"/>
+          </p:cNvSpPr>
+          <p:nvPr>
+            <p:ph type="sldNum" sz="quarter" idx="12"/>
+          </p:nvPr>
+        </p:nvSpPr>
+        <p:spPr/>
+        <p:txBody>
+          <a:bodyPr/>
+          <a:lstStyle/>
+          <a:p>
+            <a:fld id="{1BDE3FE7-3AEA-4B05-AC5A-802D1816ACF0}" type="slidenum">
+              <a:rPr lang="ko-KR" altLang="en-US" smtClean="0"/>
+              <a:t>20</a:t>
             </a:fld>
             <a:endParaRPr lang="ko-KR" altLang="en-US"/>
           </a:p>
@@ -8618,7 +9377,7 @@
         <p:spPr>
           <a:xfrm>
             <a:off x="817240" y="1484784"/>
-            <a:ext cx="7715200" cy="869790"/>
+            <a:ext cx="7715200" cy="923330"/>
           </a:xfrm>
           <a:prstGeom prst="rect">
             <a:avLst/>
@@ -8645,19 +9404,39 @@
               <a:t> </a:t>
             </a:r>
             <a:r>
-              <a:rPr lang="ko-KR" altLang="en-US" dirty="0" err="1"/>
+              <a:rPr lang="ko-KR" altLang="en-US" dirty="0" err="1">
+                <a:solidFill>
+                  <a:srgbClr val="C00000"/>
+                </a:solidFill>
+              </a:rPr>
               <a:t>기본키가</a:t>
             </a:r>
             <a:r>
-              <a:rPr lang="ko-KR" altLang="en-US" dirty="0"/>
+              <a:rPr lang="ko-KR" altLang="en-US" dirty="0">
+                <a:solidFill>
+                  <a:srgbClr val="C00000"/>
+                </a:solidFill>
+              </a:rPr>
               <a:t> </a:t>
             </a:r>
             <a:r>
-              <a:rPr lang="ko-KR" altLang="en-US" dirty="0" err="1"/>
-              <a:t>복합키일때</a:t>
-            </a:r>
-            <a:r>
-              <a:rPr lang="ko-KR" altLang="en-US" dirty="0"/>
+              <a:rPr lang="ko-KR" altLang="en-US" dirty="0" err="1" smtClean="0">
+                <a:solidFill>
+                  <a:srgbClr val="C00000"/>
+                </a:solidFill>
+              </a:rPr>
+              <a:t>복합키</a:t>
+            </a:r>
+            <a:r>
+              <a:rPr lang="ko-KR" altLang="en-US" dirty="0" err="1" smtClean="0"/>
+              <a:t>일때</a:t>
+            </a:r>
+            <a:r>
+              <a:rPr lang="en-US" altLang="ko-KR" dirty="0" smtClean="0"/>
+              <a:t>,</a:t>
+            </a:r>
+            <a:r>
+              <a:rPr lang="ko-KR" altLang="en-US" dirty="0" smtClean="0"/>
               <a:t> </a:t>
             </a:r>
             <a:r>
@@ -9246,7 +10025,7 @@
         </p:nvSpPr>
         <p:spPr>
           <a:xfrm>
-            <a:off x="5763580" y="3692813"/>
+            <a:off x="5763580" y="3429000"/>
             <a:ext cx="1008112" cy="338554"/>
           </a:xfrm>
           <a:prstGeom prst="rect">
@@ -9289,7 +10068,7 @@
         </p:nvSpPr>
         <p:spPr>
           <a:xfrm>
-            <a:off x="5763580" y="4257207"/>
+            <a:off x="5763580" y="3993394"/>
             <a:ext cx="1008112" cy="338554"/>
           </a:xfrm>
           <a:prstGeom prst="rect">
@@ -9332,7 +10111,7 @@
         </p:nvSpPr>
         <p:spPr>
           <a:xfrm>
-            <a:off x="5547556" y="3404781"/>
+            <a:off x="5547556" y="3140968"/>
             <a:ext cx="1440160" cy="1440160"/>
           </a:xfrm>
           <a:prstGeom prst="rect">
@@ -9374,7 +10153,7 @@
         </p:nvSpPr>
         <p:spPr>
           <a:xfrm>
-            <a:off x="7668344" y="3692813"/>
+            <a:off x="7668344" y="3429000"/>
             <a:ext cx="1008112" cy="338554"/>
           </a:xfrm>
           <a:prstGeom prst="rect">
@@ -9417,7 +10196,7 @@
         </p:nvSpPr>
         <p:spPr>
           <a:xfrm>
-            <a:off x="7668344" y="4257207"/>
+            <a:off x="7668344" y="3993394"/>
             <a:ext cx="1008112" cy="338554"/>
           </a:xfrm>
           <a:prstGeom prst="rect">
@@ -9462,7 +10241,7 @@
         </p:nvCxnSpPr>
         <p:spPr>
           <a:xfrm>
-            <a:off x="6987716" y="3862090"/>
+            <a:off x="6987716" y="3598277"/>
             <a:ext cx="680628" cy="0"/>
           </a:xfrm>
           <a:prstGeom prst="straightConnector1">
@@ -9498,7 +10277,7 @@
         </p:nvCxnSpPr>
         <p:spPr>
           <a:xfrm>
-            <a:off x="6771692" y="4426484"/>
+            <a:off x="6771692" y="4162671"/>
             <a:ext cx="896652" cy="0"/>
           </a:xfrm>
           <a:prstGeom prst="straightConnector1">
@@ -9553,6 +10332,44 @@
           </a:p>
         </p:txBody>
       </p:sp>
+      <p:sp>
+        <p:nvSpPr>
+          <p:cNvPr id="7" name="TextBox 6"/>
+          <p:cNvSpPr txBox="1"/>
+          <p:nvPr/>
+        </p:nvSpPr>
+        <p:spPr>
+          <a:xfrm>
+            <a:off x="5547556" y="4767239"/>
+            <a:ext cx="3096343" cy="338554"/>
+          </a:xfrm>
+          <a:prstGeom prst="rect">
+            <a:avLst/>
+          </a:prstGeom>
+          <a:noFill/>
+        </p:spPr>
+        <p:txBody>
+          <a:bodyPr wrap="square" rtlCol="0">
+            <a:spAutoFit/>
+          </a:bodyPr>
+          <a:lstStyle/>
+          <a:p>
+            <a:r>
+              <a:rPr lang="ko-KR" altLang="en-US" sz="1600" dirty="0" smtClean="0">
+                <a:solidFill>
+                  <a:srgbClr val="C00000"/>
+                </a:solidFill>
+              </a:rPr>
+              <a:t>★강좌 이름이 강의실을 결정함</a:t>
+            </a:r>
+            <a:endParaRPr lang="ko-KR" altLang="en-US" sz="1600" dirty="0">
+              <a:solidFill>
+                <a:srgbClr val="C00000"/>
+              </a:solidFill>
+            </a:endParaRPr>
+          </a:p>
+        </p:txBody>
+      </p:sp>
     </p:spTree>
     <p:extLst>
       <p:ext uri="{BB962C8B-B14F-4D97-AF65-F5344CB8AC3E}">
@@ -9566,7 +10383,7 @@
 </p:sld>
 </file>
 
-<file path=ppt/slides/slide19.xml><?xml version="1.0" encoding="utf-8"?>
+<file path=ppt/slides/slide21.xml><?xml version="1.0" encoding="utf-8"?>
 <p:sld xmlns:a="http://schemas.openxmlformats.org/drawingml/2006/main" xmlns:r="http://schemas.openxmlformats.org/officeDocument/2006/relationships" xmlns:p="http://schemas.openxmlformats.org/presentationml/2006/main">
   <p:cSld>
     <p:spTree>
@@ -9645,7 +10462,7 @@
           <a:p>
             <a:fld id="{1BDE3FE7-3AEA-4B05-AC5A-802D1816ACF0}" type="slidenum">
               <a:rPr lang="ko-KR" altLang="en-US" smtClean="0"/>
-              <a:t>19</a:t>
+              <a:t>21</a:t>
             </a:fld>
             <a:endParaRPr lang="ko-KR" altLang="en-US"/>
           </a:p>
@@ -10727,7 +11544,7 @@
 </p:sld>
 </file>
 
-<file path=ppt/slides/slide2.xml><?xml version="1.0" encoding="utf-8"?>
+<file path=ppt/slides/slide22.xml><?xml version="1.0" encoding="utf-8"?>
 <p:sld xmlns:a="http://schemas.openxmlformats.org/drawingml/2006/main" xmlns:r="http://schemas.openxmlformats.org/officeDocument/2006/relationships" xmlns:p="http://schemas.openxmlformats.org/presentationml/2006/main">
   <p:cSld>
     <p:spTree>
@@ -10756,17 +11573,36 @@
         </p:nvSpPr>
         <p:spPr/>
         <p:txBody>
-          <a:bodyPr/>
+          <a:bodyPr>
+            <a:normAutofit/>
+          </a:bodyPr>
           <a:lstStyle/>
           <a:p>
             <a:r>
-              <a:rPr lang="en-US" altLang="ko-KR" dirty="0"/>
-              <a:t>  </a:t>
-            </a:r>
-            <a:r>
-              <a:rPr lang="ko-KR" altLang="en-US" dirty="0"/>
-              <a:t>제약 조건</a:t>
-            </a:r>
+              <a:rPr lang="en-US" altLang="ko-KR" sz="2800" dirty="0"/>
+              <a:t> </a:t>
+            </a:r>
+            <a:r>
+              <a:rPr lang="ko-KR" altLang="en-US" sz="2800" dirty="0"/>
+              <a:t>정규화</a:t>
+            </a:r>
+            <a:r>
+              <a:rPr lang="en-US" altLang="ko-KR" sz="2800" dirty="0"/>
+              <a:t> – </a:t>
+            </a:r>
+            <a:r>
+              <a:rPr lang="ko-KR" altLang="en-US" sz="2800" dirty="0"/>
+              <a:t>제</a:t>
+            </a:r>
+            <a:r>
+              <a:rPr lang="en-US" altLang="ko-KR" sz="2800" dirty="0"/>
+              <a:t>3 </a:t>
+            </a:r>
+            <a:r>
+              <a:rPr lang="ko-KR" altLang="en-US" sz="2800" dirty="0" err="1"/>
+              <a:t>정규형</a:t>
+            </a:r>
+            <a:endParaRPr lang="ko-KR" altLang="en-US" sz="2800" dirty="0"/>
           </a:p>
         </p:txBody>
       </p:sp>
@@ -10787,537 +11623,7 @@
           <a:p>
             <a:fld id="{1BDE3FE7-3AEA-4B05-AC5A-802D1816ACF0}" type="slidenum">
               <a:rPr lang="ko-KR" altLang="en-US" smtClean="0"/>
-              <a:t>2</a:t>
-            </a:fld>
-            <a:endParaRPr lang="ko-KR" altLang="en-US"/>
-          </a:p>
-        </p:txBody>
-      </p:sp>
-      <p:sp>
-        <p:nvSpPr>
-          <p:cNvPr id="10" name="내용 개체 틀 2"/>
-          <p:cNvSpPr>
-            <a:spLocks noGrp="1"/>
-          </p:cNvSpPr>
-          <p:nvPr>
-            <p:ph idx="1"/>
-          </p:nvPr>
-        </p:nvSpPr>
-        <p:spPr>
-          <a:xfrm>
-            <a:off x="827584" y="1124744"/>
-            <a:ext cx="1440160" cy="504056"/>
-          </a:xfrm>
-        </p:spPr>
-        <p:txBody>
-          <a:bodyPr>
-            <a:noAutofit/>
-          </a:bodyPr>
-          <a:lstStyle/>
-          <a:p>
-            <a:pPr marL="0" indent="0">
-              <a:lnSpc>
-                <a:spcPct val="150000"/>
-              </a:lnSpc>
-              <a:buNone/>
-            </a:pPr>
-            <a:r>
-              <a:rPr lang="en-US" altLang="ko-KR" sz="2000" b="1" dirty="0"/>
-              <a:t>  </a:t>
-            </a:r>
-            <a:r>
-              <a:rPr lang="ko-KR" altLang="en-US" sz="2000" b="1" dirty="0">
-                <a:solidFill>
-                  <a:srgbClr val="C00000"/>
-                </a:solidFill>
-              </a:rPr>
-              <a:t>제약조건</a:t>
-            </a:r>
-            <a:endParaRPr lang="en-US" altLang="ko-KR" sz="2000" b="1" dirty="0">
-              <a:solidFill>
-                <a:srgbClr val="C00000"/>
-              </a:solidFill>
-            </a:endParaRPr>
-          </a:p>
-        </p:txBody>
-      </p:sp>
-      <p:sp>
-        <p:nvSpPr>
-          <p:cNvPr id="3" name="TextBox 2"/>
-          <p:cNvSpPr txBox="1"/>
-          <p:nvPr/>
-        </p:nvSpPr>
-        <p:spPr>
-          <a:xfrm>
-            <a:off x="1106590" y="2924944"/>
-            <a:ext cx="7353842" cy="1246495"/>
-          </a:xfrm>
-          <a:prstGeom prst="rect">
-            <a:avLst/>
-          </a:prstGeom>
-          <a:noFill/>
-        </p:spPr>
-        <p:txBody>
-          <a:bodyPr wrap="square" rtlCol="0">
-            <a:spAutoFit/>
-          </a:bodyPr>
-          <a:lstStyle/>
-          <a:p>
-            <a:pPr>
-              <a:lnSpc>
-                <a:spcPct val="150000"/>
-              </a:lnSpc>
-            </a:pPr>
-            <a:r>
-              <a:rPr lang="en-US" altLang="ko-KR" b="1" dirty="0">
-                <a:solidFill>
-                  <a:srgbClr val="C00000"/>
-                </a:solidFill>
-              </a:rPr>
-              <a:t>NOT NULL</a:t>
-            </a:r>
-            <a:endParaRPr lang="en-US" altLang="ko-KR" sz="1600" b="1" dirty="0">
-              <a:solidFill>
-                <a:srgbClr val="C00000"/>
-              </a:solidFill>
-            </a:endParaRPr>
-          </a:p>
-          <a:p>
-            <a:pPr>
-              <a:lnSpc>
-                <a:spcPct val="150000"/>
-              </a:lnSpc>
-            </a:pPr>
-            <a:r>
-              <a:rPr lang="en-US" altLang="ko-KR" sz="1600" dirty="0"/>
-              <a:t>    </a:t>
-            </a:r>
-            <a:r>
-              <a:rPr lang="ko-KR" altLang="en-US" sz="1600" dirty="0"/>
-              <a:t>칼럼을 정의할 때 </a:t>
-            </a:r>
-            <a:r>
-              <a:rPr lang="en-US" altLang="ko-KR" sz="1600" dirty="0"/>
-              <a:t>NOT NULL </a:t>
-            </a:r>
-            <a:r>
-              <a:rPr lang="ko-KR" altLang="en-US" sz="1600" dirty="0"/>
-              <a:t>제약 조건을 명시하면 반드시 데이터를 입력</a:t>
-            </a:r>
-            <a:endParaRPr lang="en-US" altLang="ko-KR" sz="1600" dirty="0"/>
-          </a:p>
-          <a:p>
-            <a:pPr>
-              <a:lnSpc>
-                <a:spcPct val="150000"/>
-              </a:lnSpc>
-            </a:pPr>
-            <a:r>
-              <a:rPr lang="en-US" altLang="ko-KR" sz="1600" dirty="0"/>
-              <a:t>    </a:t>
-            </a:r>
-            <a:r>
-              <a:rPr lang="ko-KR" altLang="en-US" sz="1600" dirty="0" err="1"/>
-              <a:t>해야한다</a:t>
-            </a:r>
-            <a:r>
-              <a:rPr lang="en-US" altLang="ko-KR" sz="1600" dirty="0"/>
-              <a:t>.</a:t>
-            </a:r>
-          </a:p>
-        </p:txBody>
-      </p:sp>
-      <p:sp>
-        <p:nvSpPr>
-          <p:cNvPr id="6" name="내용 개체 틀 2"/>
-          <p:cNvSpPr txBox="1">
-            <a:spLocks/>
-          </p:cNvSpPr>
-          <p:nvPr/>
-        </p:nvSpPr>
-        <p:spPr>
-          <a:xfrm>
-            <a:off x="1493809" y="4365104"/>
-            <a:ext cx="5310439" cy="432048"/>
-          </a:xfrm>
-          <a:prstGeom prst="rect">
-            <a:avLst/>
-          </a:prstGeom>
-          <a:solidFill>
-            <a:schemeClr val="bg1">
-              <a:lumMod val="95000"/>
-            </a:schemeClr>
-          </a:solidFill>
-        </p:spPr>
-        <p:txBody>
-          <a:bodyPr vert="horz" lIns="91440" tIns="45720" rIns="91440" bIns="45720" rtlCol="0">
-            <a:noAutofit/>
-          </a:bodyPr>
-          <a:lstStyle>
-            <a:lvl1pPr marL="342900" indent="-342900" algn="l" defTabSz="914400" rtl="0" eaLnBrk="1" latinLnBrk="1" hangingPunct="1">
-              <a:spcBef>
-                <a:spcPct val="20000"/>
-              </a:spcBef>
-              <a:buFont typeface="Arial" panose="020B0604020202020204" pitchFamily="34" charset="0"/>
-              <a:buChar char="•"/>
-              <a:defRPr sz="3200" kern="1200">
-                <a:solidFill>
-                  <a:schemeClr val="tx1"/>
-                </a:solidFill>
-                <a:latin typeface="+mn-lt"/>
-                <a:ea typeface="+mn-ea"/>
-                <a:cs typeface="+mn-cs"/>
-              </a:defRPr>
-            </a:lvl1pPr>
-            <a:lvl2pPr marL="742950" indent="-285750" algn="l" defTabSz="914400" rtl="0" eaLnBrk="1" latinLnBrk="1" hangingPunct="1">
-              <a:spcBef>
-                <a:spcPct val="20000"/>
-              </a:spcBef>
-              <a:buFont typeface="Arial" panose="020B0604020202020204" pitchFamily="34" charset="0"/>
-              <a:buChar char="–"/>
-              <a:defRPr sz="2800" kern="1200">
-                <a:solidFill>
-                  <a:schemeClr val="tx1"/>
-                </a:solidFill>
-                <a:latin typeface="+mn-lt"/>
-                <a:ea typeface="+mn-ea"/>
-                <a:cs typeface="+mn-cs"/>
-              </a:defRPr>
-            </a:lvl2pPr>
-            <a:lvl3pPr marL="1143000" indent="-228600" algn="l" defTabSz="914400" rtl="0" eaLnBrk="1" latinLnBrk="1" hangingPunct="1">
-              <a:spcBef>
-                <a:spcPct val="20000"/>
-              </a:spcBef>
-              <a:buFont typeface="Arial" panose="020B0604020202020204" pitchFamily="34" charset="0"/>
-              <a:buChar char="•"/>
-              <a:defRPr sz="2400" kern="1200">
-                <a:solidFill>
-                  <a:schemeClr val="tx1"/>
-                </a:solidFill>
-                <a:latin typeface="+mn-lt"/>
-                <a:ea typeface="+mn-ea"/>
-                <a:cs typeface="+mn-cs"/>
-              </a:defRPr>
-            </a:lvl3pPr>
-            <a:lvl4pPr marL="1600200" indent="-228600" algn="l" defTabSz="914400" rtl="0" eaLnBrk="1" latinLnBrk="1" hangingPunct="1">
-              <a:spcBef>
-                <a:spcPct val="20000"/>
-              </a:spcBef>
-              <a:buFont typeface="Arial" panose="020B0604020202020204" pitchFamily="34" charset="0"/>
-              <a:buChar char="–"/>
-              <a:defRPr sz="2000" kern="1200">
-                <a:solidFill>
-                  <a:schemeClr val="tx1"/>
-                </a:solidFill>
-                <a:latin typeface="+mn-lt"/>
-                <a:ea typeface="+mn-ea"/>
-                <a:cs typeface="+mn-cs"/>
-              </a:defRPr>
-            </a:lvl4pPr>
-            <a:lvl5pPr marL="2057400" indent="-228600" algn="l" defTabSz="914400" rtl="0" eaLnBrk="1" latinLnBrk="1" hangingPunct="1">
-              <a:spcBef>
-                <a:spcPct val="20000"/>
-              </a:spcBef>
-              <a:buFont typeface="Arial" panose="020B0604020202020204" pitchFamily="34" charset="0"/>
-              <a:buChar char="»"/>
-              <a:defRPr sz="2000" kern="1200">
-                <a:solidFill>
-                  <a:schemeClr val="tx1"/>
-                </a:solidFill>
-                <a:latin typeface="+mn-lt"/>
-                <a:ea typeface="+mn-ea"/>
-                <a:cs typeface="+mn-cs"/>
-              </a:defRPr>
-            </a:lvl5pPr>
-            <a:lvl6pPr marL="2514600" indent="-228600" algn="l" defTabSz="914400" rtl="0" eaLnBrk="1" latinLnBrk="1" hangingPunct="1">
-              <a:spcBef>
-                <a:spcPct val="20000"/>
-              </a:spcBef>
-              <a:buFont typeface="Arial" panose="020B0604020202020204" pitchFamily="34" charset="0"/>
-              <a:buChar char="•"/>
-              <a:defRPr sz="2000" kern="1200">
-                <a:solidFill>
-                  <a:schemeClr val="tx1"/>
-                </a:solidFill>
-                <a:latin typeface="+mn-lt"/>
-                <a:ea typeface="+mn-ea"/>
-                <a:cs typeface="+mn-cs"/>
-              </a:defRPr>
-            </a:lvl6pPr>
-            <a:lvl7pPr marL="2971800" indent="-228600" algn="l" defTabSz="914400" rtl="0" eaLnBrk="1" latinLnBrk="1" hangingPunct="1">
-              <a:spcBef>
-                <a:spcPct val="20000"/>
-              </a:spcBef>
-              <a:buFont typeface="Arial" panose="020B0604020202020204" pitchFamily="34" charset="0"/>
-              <a:buChar char="•"/>
-              <a:defRPr sz="2000" kern="1200">
-                <a:solidFill>
-                  <a:schemeClr val="tx1"/>
-                </a:solidFill>
-                <a:latin typeface="+mn-lt"/>
-                <a:ea typeface="+mn-ea"/>
-                <a:cs typeface="+mn-cs"/>
-              </a:defRPr>
-            </a:lvl7pPr>
-            <a:lvl8pPr marL="3429000" indent="-228600" algn="l" defTabSz="914400" rtl="0" eaLnBrk="1" latinLnBrk="1" hangingPunct="1">
-              <a:spcBef>
-                <a:spcPct val="20000"/>
-              </a:spcBef>
-              <a:buFont typeface="Arial" panose="020B0604020202020204" pitchFamily="34" charset="0"/>
-              <a:buChar char="•"/>
-              <a:defRPr sz="2000" kern="1200">
-                <a:solidFill>
-                  <a:schemeClr val="tx1"/>
-                </a:solidFill>
-                <a:latin typeface="+mn-lt"/>
-                <a:ea typeface="+mn-ea"/>
-                <a:cs typeface="+mn-cs"/>
-              </a:defRPr>
-            </a:lvl8pPr>
-            <a:lvl9pPr marL="3886200" indent="-228600" algn="l" defTabSz="914400" rtl="0" eaLnBrk="1" latinLnBrk="1" hangingPunct="1">
-              <a:spcBef>
-                <a:spcPct val="20000"/>
-              </a:spcBef>
-              <a:buFont typeface="Arial" panose="020B0604020202020204" pitchFamily="34" charset="0"/>
-              <a:buChar char="•"/>
-              <a:defRPr sz="2000" kern="1200">
-                <a:solidFill>
-                  <a:schemeClr val="tx1"/>
-                </a:solidFill>
-                <a:latin typeface="+mn-lt"/>
-                <a:ea typeface="+mn-ea"/>
-                <a:cs typeface="+mn-cs"/>
-              </a:defRPr>
-            </a:lvl9pPr>
-          </a:lstStyle>
-          <a:p>
-            <a:pPr marL="0" indent="0">
-              <a:lnSpc>
-                <a:spcPct val="150000"/>
-              </a:lnSpc>
-              <a:buFont typeface="Arial" panose="020B0604020202020204" pitchFamily="34" charset="0"/>
-              <a:buNone/>
-            </a:pPr>
-            <a:r>
-              <a:rPr lang="en-US" altLang="ko-KR" sz="1600" b="1" dirty="0"/>
-              <a:t>    </a:t>
-            </a:r>
-            <a:r>
-              <a:rPr lang="ko-KR" altLang="en-US" sz="1600" dirty="0" err="1"/>
-              <a:t>칼럼명</a:t>
-            </a:r>
-            <a:r>
-              <a:rPr lang="ko-KR" altLang="en-US" sz="1600" dirty="0"/>
-              <a:t>  데이터 타입 </a:t>
-            </a:r>
-            <a:r>
-              <a:rPr lang="en-US" altLang="ko-KR" sz="1600" b="1" dirty="0"/>
-              <a:t>NOT NULL</a:t>
-            </a:r>
-          </a:p>
-        </p:txBody>
-      </p:sp>
-      <p:sp>
-        <p:nvSpPr>
-          <p:cNvPr id="5" name="직사각형 4"/>
-          <p:cNvSpPr/>
-          <p:nvPr/>
-        </p:nvSpPr>
-        <p:spPr>
-          <a:xfrm>
-            <a:off x="1043608" y="1628800"/>
-            <a:ext cx="7560840" cy="1200329"/>
-          </a:xfrm>
-          <a:prstGeom prst="rect">
-            <a:avLst/>
-          </a:prstGeom>
-        </p:spPr>
-        <p:txBody>
-          <a:bodyPr wrap="square">
-            <a:spAutoFit/>
-          </a:bodyPr>
-          <a:lstStyle/>
-          <a:p>
-            <a:pPr>
-              <a:lnSpc>
-                <a:spcPct val="150000"/>
-              </a:lnSpc>
-            </a:pPr>
-            <a:r>
-              <a:rPr lang="ko-KR" altLang="en-US" sz="1600" dirty="0"/>
-              <a:t>테이블들은 각 속성</a:t>
-            </a:r>
-            <a:r>
-              <a:rPr lang="en-US" altLang="ko-KR" sz="1600" dirty="0"/>
-              <a:t>(</a:t>
-            </a:r>
-            <a:r>
-              <a:rPr lang="ko-KR" altLang="en-US" sz="1600" dirty="0"/>
-              <a:t>칼럼</a:t>
-            </a:r>
-            <a:r>
-              <a:rPr lang="en-US" altLang="ko-KR" sz="1600" dirty="0"/>
-              <a:t>)</a:t>
-            </a:r>
-            <a:r>
-              <a:rPr lang="ko-KR" altLang="en-US" sz="1600" dirty="0"/>
-              <a:t>에 대한 </a:t>
-            </a:r>
-            <a:r>
-              <a:rPr lang="ko-KR" altLang="en-US" sz="1600" dirty="0" err="1"/>
-              <a:t>무결성을</a:t>
-            </a:r>
-            <a:r>
-              <a:rPr lang="ko-KR" altLang="en-US" sz="1600" dirty="0"/>
-              <a:t> 유지하기 위한 다양한 제약 조건</a:t>
-            </a:r>
-            <a:r>
-              <a:rPr lang="en-US" altLang="ko-KR" sz="1600" dirty="0"/>
-              <a:t>(Constraints)</a:t>
-            </a:r>
-            <a:r>
-              <a:rPr lang="ko-KR" altLang="en-US" sz="1600" dirty="0"/>
-              <a:t>이 적용되어 있다</a:t>
-            </a:r>
-            <a:r>
-              <a:rPr lang="en-US" altLang="ko-KR" sz="1600" dirty="0"/>
-              <a:t>.</a:t>
-            </a:r>
-          </a:p>
-          <a:p>
-            <a:pPr>
-              <a:lnSpc>
-                <a:spcPct val="150000"/>
-              </a:lnSpc>
-            </a:pPr>
-            <a:r>
-              <a:rPr lang="ko-KR" altLang="en-US" sz="1600" dirty="0"/>
-              <a:t>제약 조건에는 </a:t>
-            </a:r>
-            <a:r>
-              <a:rPr lang="en-US" altLang="ko-KR" sz="1600" dirty="0"/>
-              <a:t>NOT NULL,  </a:t>
-            </a:r>
-            <a:r>
-              <a:rPr lang="ko-KR" altLang="en-US" sz="1600" dirty="0" err="1"/>
-              <a:t>기본키</a:t>
-            </a:r>
-            <a:r>
-              <a:rPr lang="en-US" altLang="ko-KR" sz="1600" dirty="0"/>
-              <a:t>,  </a:t>
-            </a:r>
-            <a:r>
-              <a:rPr lang="ko-KR" altLang="en-US" sz="1600" dirty="0" err="1"/>
-              <a:t>외래키</a:t>
-            </a:r>
-            <a:r>
-              <a:rPr lang="en-US" altLang="ko-KR" sz="1600" dirty="0"/>
-              <a:t>, CHECK </a:t>
-            </a:r>
-            <a:r>
-              <a:rPr lang="ko-KR" altLang="en-US" sz="1600" dirty="0"/>
-              <a:t>등이 있다</a:t>
-            </a:r>
-            <a:r>
-              <a:rPr lang="en-US" altLang="ko-KR" sz="1600" dirty="0"/>
-              <a:t>.</a:t>
-            </a:r>
-          </a:p>
-        </p:txBody>
-      </p:sp>
-    </p:spTree>
-    <p:extLst>
-      <p:ext uri="{BB962C8B-B14F-4D97-AF65-F5344CB8AC3E}">
-        <p14:creationId xmlns:p14="http://schemas.microsoft.com/office/powerpoint/2010/main" val="625348957"/>
-      </p:ext>
-    </p:extLst>
-  </p:cSld>
-  <p:clrMapOvr>
-    <a:masterClrMapping/>
-  </p:clrMapOvr>
-</p:sld>
-</file>
-
-<file path=ppt/slides/slide20.xml><?xml version="1.0" encoding="utf-8"?>
-<p:sld xmlns:a="http://schemas.openxmlformats.org/drawingml/2006/main" xmlns:r="http://schemas.openxmlformats.org/officeDocument/2006/relationships" xmlns:p="http://schemas.openxmlformats.org/presentationml/2006/main">
-  <p:cSld>
-    <p:spTree>
-      <p:nvGrpSpPr>
-        <p:cNvPr id="1" name=""/>
-        <p:cNvGrpSpPr/>
-        <p:nvPr/>
-      </p:nvGrpSpPr>
-      <p:grpSpPr>
-        <a:xfrm>
-          <a:off x="0" y="0"/>
-          <a:ext cx="0" cy="0"/>
-          <a:chOff x="0" y="0"/>
-          <a:chExt cx="0" cy="0"/>
-        </a:xfrm>
-      </p:grpSpPr>
-      <p:sp>
-        <p:nvSpPr>
-          <p:cNvPr id="2" name="제목 1"/>
-          <p:cNvSpPr>
-            <a:spLocks noGrp="1"/>
-          </p:cNvSpPr>
-          <p:nvPr>
-            <p:ph type="title"/>
-          </p:nvPr>
-        </p:nvSpPr>
-        <p:spPr/>
-        <p:txBody>
-          <a:bodyPr>
-            <a:normAutofit/>
-          </a:bodyPr>
-          <a:lstStyle/>
-          <a:p>
-            <a:r>
-              <a:rPr lang="en-US" altLang="ko-KR" sz="2800" dirty="0"/>
-              <a:t> </a:t>
-            </a:r>
-            <a:r>
-              <a:rPr lang="ko-KR" altLang="en-US" sz="2800" dirty="0"/>
-              <a:t>정규화</a:t>
-            </a:r>
-            <a:r>
-              <a:rPr lang="en-US" altLang="ko-KR" sz="2800" dirty="0"/>
-              <a:t> – </a:t>
-            </a:r>
-            <a:r>
-              <a:rPr lang="ko-KR" altLang="en-US" sz="2800" dirty="0"/>
-              <a:t>제</a:t>
-            </a:r>
-            <a:r>
-              <a:rPr lang="en-US" altLang="ko-KR" sz="2800" dirty="0"/>
-              <a:t>3 </a:t>
-            </a:r>
-            <a:r>
-              <a:rPr lang="ko-KR" altLang="en-US" sz="2800" dirty="0" err="1"/>
-              <a:t>정규형</a:t>
-            </a:r>
-            <a:endParaRPr lang="ko-KR" altLang="en-US" sz="2800" dirty="0"/>
-          </a:p>
-        </p:txBody>
-      </p:sp>
-      <p:sp>
-        <p:nvSpPr>
-          <p:cNvPr id="4" name="슬라이드 번호 개체 틀 3"/>
-          <p:cNvSpPr>
-            <a:spLocks noGrp="1"/>
-          </p:cNvSpPr>
-          <p:nvPr>
-            <p:ph type="sldNum" sz="quarter" idx="12"/>
-          </p:nvPr>
-        </p:nvSpPr>
-        <p:spPr/>
-        <p:txBody>
-          <a:bodyPr/>
-          <a:lstStyle/>
-          <a:p>
-            <a:fld id="{1BDE3FE7-3AEA-4B05-AC5A-802D1816ACF0}" type="slidenum">
-              <a:rPr lang="ko-KR" altLang="en-US" smtClean="0"/>
-              <a:t>20</a:t>
+              <a:t>22</a:t>
             </a:fld>
             <a:endParaRPr lang="ko-KR" altLang="en-US"/>
           </a:p>
@@ -12174,7 +12480,31 @@
           <a:p>
             <a:r>
               <a:rPr lang="ko-KR" altLang="en-US" sz="1600" dirty="0"/>
-              <a:t>그런데 수강료는 기본키가 아닌 강좌 이름에 한 번 더 종속되어 있다</a:t>
+              <a:t>그런데 수강료는 기본키가 아닌 강좌 </a:t>
+            </a:r>
+            <a:r>
+              <a:rPr lang="ko-KR" altLang="en-US" sz="1600" dirty="0" smtClean="0"/>
+              <a:t>이름</a:t>
+            </a:r>
+            <a:r>
+              <a:rPr lang="en-US" altLang="ko-KR" sz="1600" dirty="0" smtClean="0"/>
+              <a:t>(</a:t>
+            </a:r>
+            <a:r>
+              <a:rPr lang="ko-KR" altLang="en-US" sz="1600" dirty="0" smtClean="0"/>
+              <a:t>일반 속성</a:t>
+            </a:r>
+            <a:r>
+              <a:rPr lang="en-US" altLang="ko-KR" sz="1600" dirty="0" smtClean="0"/>
+              <a:t>)</a:t>
+            </a:r>
+            <a:r>
+              <a:rPr lang="ko-KR" altLang="en-US" sz="1600" dirty="0" smtClean="0"/>
+              <a:t>에 </a:t>
+            </a:r>
+            <a:r>
+              <a:rPr lang="ko-KR" altLang="en-US" sz="1600" dirty="0"/>
+              <a:t>한 번 더 종속되어 있다</a:t>
             </a:r>
             <a:r>
               <a:rPr lang="en-US" altLang="ko-KR" sz="1600" dirty="0"/>
@@ -12235,7 +12565,7 @@
 </p:sld>
 </file>
 
-<file path=ppt/slides/slide21.xml><?xml version="1.0" encoding="utf-8"?>
+<file path=ppt/slides/slide23.xml><?xml version="1.0" encoding="utf-8"?>
 <p:sld xmlns:a="http://schemas.openxmlformats.org/drawingml/2006/main" xmlns:r="http://schemas.openxmlformats.org/officeDocument/2006/relationships" xmlns:p="http://schemas.openxmlformats.org/presentationml/2006/main">
   <p:cSld>
     <p:spTree>
@@ -12314,7 +12644,7 @@
           <a:p>
             <a:fld id="{1BDE3FE7-3AEA-4B05-AC5A-802D1816ACF0}" type="slidenum">
               <a:rPr lang="ko-KR" altLang="en-US" smtClean="0"/>
-              <a:t>21</a:t>
+              <a:t>23</a:t>
             </a:fld>
             <a:endParaRPr lang="ko-KR" altLang="en-US"/>
           </a:p>
@@ -13158,7 +13488,7 @@
 </p:sld>
 </file>
 
-<file path=ppt/slides/slide22.xml><?xml version="1.0" encoding="utf-8"?>
+<file path=ppt/slides/slide24.xml><?xml version="1.0" encoding="utf-8"?>
 <p:sld xmlns:a="http://schemas.openxmlformats.org/drawingml/2006/main" xmlns:r="http://schemas.openxmlformats.org/officeDocument/2006/relationships" xmlns:p="http://schemas.openxmlformats.org/presentationml/2006/main">
   <p:cSld>
     <p:spTree>
@@ -13234,7 +13564,7 @@
           <a:p>
             <a:fld id="{1BDE3FE7-3AEA-4B05-AC5A-802D1816ACF0}" type="slidenum">
               <a:rPr lang="ko-KR" altLang="en-US" smtClean="0"/>
-              <a:t>22</a:t>
+              <a:t>24</a:t>
             </a:fld>
             <a:endParaRPr lang="ko-KR" altLang="en-US"/>
           </a:p>
@@ -13428,7 +13758,7 @@
 </p:sld>
 </file>
 
-<file path=ppt/slides/slide23.xml><?xml version="1.0" encoding="utf-8"?>
+<file path=ppt/slides/slide25.xml><?xml version="1.0" encoding="utf-8"?>
 <p:sld xmlns:a="http://schemas.openxmlformats.org/drawingml/2006/main" xmlns:r="http://schemas.openxmlformats.org/officeDocument/2006/relationships" xmlns:p="http://schemas.openxmlformats.org/presentationml/2006/main">
   <p:cSld>
     <p:spTree>
@@ -13504,7 +13834,7 @@
           <a:p>
             <a:fld id="{1BDE3FE7-3AEA-4B05-AC5A-802D1816ACF0}" type="slidenum">
               <a:rPr lang="ko-KR" altLang="en-US" smtClean="0"/>
-              <a:t>23</a:t>
+              <a:t>25</a:t>
             </a:fld>
             <a:endParaRPr lang="ko-KR" altLang="en-US"/>
           </a:p>
